--- a/Python Session/Python_10_may.pptx
+++ b/Python Session/Python_10_may.pptx
@@ -314,7 +314,7 @@
           <a:p>
             <a:fld id="{4301CC33-C1E3-43D5-954C-D3879CCC99B6}" type="datetimeFigureOut">
               <a:rPr lang="en-IN" smtClean="0"/>
-              <a:t>03-05-2022</a:t>
+              <a:t>08-05-2022</a:t>
             </a:fld>
             <a:endParaRPr lang="en-IN"/>
           </a:p>
@@ -652,7 +652,7 @@
           <a:p>
             <a:fld id="{4301CC33-C1E3-43D5-954C-D3879CCC99B6}" type="datetimeFigureOut">
               <a:rPr lang="en-IN" smtClean="0"/>
-              <a:t>03-05-2022</a:t>
+              <a:t>08-05-2022</a:t>
             </a:fld>
             <a:endParaRPr lang="en-IN"/>
           </a:p>
@@ -1053,7 +1053,7 @@
           <a:p>
             <a:fld id="{4301CC33-C1E3-43D5-954C-D3879CCC99B6}" type="datetimeFigureOut">
               <a:rPr lang="en-IN" smtClean="0"/>
-              <a:t>03-05-2022</a:t>
+              <a:t>08-05-2022</a:t>
             </a:fld>
             <a:endParaRPr lang="en-IN"/>
           </a:p>
@@ -1389,7 +1389,7 @@
           <a:p>
             <a:fld id="{4301CC33-C1E3-43D5-954C-D3879CCC99B6}" type="datetimeFigureOut">
               <a:rPr lang="en-IN" smtClean="0"/>
-              <a:t>03-05-2022</a:t>
+              <a:t>08-05-2022</a:t>
             </a:fld>
             <a:endParaRPr lang="en-IN"/>
           </a:p>
@@ -1709,7 +1709,7 @@
           <a:p>
             <a:fld id="{4301CC33-C1E3-43D5-954C-D3879CCC99B6}" type="datetimeFigureOut">
               <a:rPr lang="en-IN" smtClean="0"/>
-              <a:t>03-05-2022</a:t>
+              <a:t>08-05-2022</a:t>
             </a:fld>
             <a:endParaRPr lang="en-IN"/>
           </a:p>
@@ -2105,7 +2105,7 @@
           <a:p>
             <a:fld id="{4301CC33-C1E3-43D5-954C-D3879CCC99B6}" type="datetimeFigureOut">
               <a:rPr lang="en-IN" smtClean="0"/>
-              <a:t>03-05-2022</a:t>
+              <a:t>08-05-2022</a:t>
             </a:fld>
             <a:endParaRPr lang="en-IN"/>
           </a:p>
@@ -2362,7 +2362,7 @@
           <a:p>
             <a:fld id="{4301CC33-C1E3-43D5-954C-D3879CCC99B6}" type="datetimeFigureOut">
               <a:rPr lang="en-IN" smtClean="0"/>
-              <a:t>03-05-2022</a:t>
+              <a:t>08-05-2022</a:t>
             </a:fld>
             <a:endParaRPr lang="en-IN"/>
           </a:p>
@@ -2624,7 +2624,7 @@
           <a:p>
             <a:fld id="{4301CC33-C1E3-43D5-954C-D3879CCC99B6}" type="datetimeFigureOut">
               <a:rPr lang="en-IN" smtClean="0"/>
-              <a:t>03-05-2022</a:t>
+              <a:t>08-05-2022</a:t>
             </a:fld>
             <a:endParaRPr lang="en-IN"/>
           </a:p>
@@ -2886,7 +2886,7 @@
           <a:p>
             <a:fld id="{4301CC33-C1E3-43D5-954C-D3879CCC99B6}" type="datetimeFigureOut">
               <a:rPr lang="en-IN" smtClean="0"/>
-              <a:t>03-05-2022</a:t>
+              <a:t>08-05-2022</a:t>
             </a:fld>
             <a:endParaRPr lang="en-IN"/>
           </a:p>
@@ -3215,7 +3215,7 @@
           <a:p>
             <a:fld id="{4301CC33-C1E3-43D5-954C-D3879CCC99B6}" type="datetimeFigureOut">
               <a:rPr lang="en-IN" smtClean="0"/>
-              <a:t>03-05-2022</a:t>
+              <a:t>08-05-2022</a:t>
             </a:fld>
             <a:endParaRPr lang="en-IN"/>
           </a:p>
@@ -3538,7 +3538,7 @@
           <a:p>
             <a:fld id="{4301CC33-C1E3-43D5-954C-D3879CCC99B6}" type="datetimeFigureOut">
               <a:rPr lang="en-IN" smtClean="0"/>
-              <a:t>03-05-2022</a:t>
+              <a:t>08-05-2022</a:t>
             </a:fld>
             <a:endParaRPr lang="en-IN"/>
           </a:p>
@@ -3995,7 +3995,7 @@
           <a:p>
             <a:fld id="{4301CC33-C1E3-43D5-954C-D3879CCC99B6}" type="datetimeFigureOut">
               <a:rPr lang="en-IN" smtClean="0"/>
-              <a:t>03-05-2022</a:t>
+              <a:t>08-05-2022</a:t>
             </a:fld>
             <a:endParaRPr lang="en-IN"/>
           </a:p>
@@ -4200,7 +4200,7 @@
           <a:p>
             <a:fld id="{4301CC33-C1E3-43D5-954C-D3879CCC99B6}" type="datetimeFigureOut">
               <a:rPr lang="en-IN" smtClean="0"/>
-              <a:t>03-05-2022</a:t>
+              <a:t>08-05-2022</a:t>
             </a:fld>
             <a:endParaRPr lang="en-IN"/>
           </a:p>
@@ -4377,7 +4377,7 @@
           <a:p>
             <a:fld id="{4301CC33-C1E3-43D5-954C-D3879CCC99B6}" type="datetimeFigureOut">
               <a:rPr lang="en-IN" smtClean="0"/>
-              <a:t>03-05-2022</a:t>
+              <a:t>08-05-2022</a:t>
             </a:fld>
             <a:endParaRPr lang="en-IN"/>
           </a:p>
@@ -4710,7 +4710,7 @@
           <a:p>
             <a:fld id="{4301CC33-C1E3-43D5-954C-D3879CCC99B6}" type="datetimeFigureOut">
               <a:rPr lang="en-IN" smtClean="0"/>
-              <a:t>03-05-2022</a:t>
+              <a:t>08-05-2022</a:t>
             </a:fld>
             <a:endParaRPr lang="en-IN"/>
           </a:p>
@@ -5055,7 +5055,7 @@
           <a:p>
             <a:fld id="{4301CC33-C1E3-43D5-954C-D3879CCC99B6}" type="datetimeFigureOut">
               <a:rPr lang="en-IN" smtClean="0"/>
-              <a:t>03-05-2022</a:t>
+              <a:t>08-05-2022</a:t>
             </a:fld>
             <a:endParaRPr lang="en-IN"/>
           </a:p>
@@ -7172,7 +7172,7 @@
           <a:p>
             <a:fld id="{4301CC33-C1E3-43D5-954C-D3879CCC99B6}" type="datetimeFigureOut">
               <a:rPr lang="en-IN" smtClean="0"/>
-              <a:t>03-05-2022</a:t>
+              <a:t>08-05-2022</a:t>
             </a:fld>
             <a:endParaRPr lang="en-IN"/>
           </a:p>
@@ -7981,13 +7981,13 @@
   <p:clrMapOvr>
     <a:masterClrMapping/>
   </p:clrMapOvr>
-  <mc:AlternateContent xmlns:mc="http://schemas.openxmlformats.org/markup-compatibility/2006">
-    <mc:Choice xmlns:p14="http://schemas.microsoft.com/office/powerpoint/2010/main" Requires="p14">
+  <mc:AlternateContent xmlns:mc="http://schemas.openxmlformats.org/markup-compatibility/2006" xmlns:p14="http://schemas.microsoft.com/office/powerpoint/2010/main">
+    <mc:Choice Requires="p14">
       <p:transition spd="slow" p14:dur="800">
         <p:circle/>
       </p:transition>
     </mc:Choice>
-    <mc:Fallback>
+    <mc:Fallback xmlns="">
       <p:transition spd="slow">
         <p:circle/>
       </p:transition>
@@ -9078,13 +9078,13 @@
   <p:clrMapOvr>
     <a:masterClrMapping/>
   </p:clrMapOvr>
-  <mc:AlternateContent xmlns:mc="http://schemas.openxmlformats.org/markup-compatibility/2006">
-    <mc:Choice xmlns:p14="http://schemas.microsoft.com/office/powerpoint/2010/main" Requires="p14">
+  <mc:AlternateContent xmlns:mc="http://schemas.openxmlformats.org/markup-compatibility/2006" xmlns:p14="http://schemas.microsoft.com/office/powerpoint/2010/main">
+    <mc:Choice Requires="p14">
       <p:transition spd="slow" p14:dur="1400">
         <p14:ripple/>
       </p:transition>
     </mc:Choice>
-    <mc:Fallback>
+    <mc:Fallback xmlns="">
       <p:transition spd="slow">
         <p:fade/>
       </p:transition>
@@ -9814,13 +9814,13 @@
   <p:clrMapOvr>
     <a:masterClrMapping/>
   </p:clrMapOvr>
-  <mc:AlternateContent xmlns:mc="http://schemas.openxmlformats.org/markup-compatibility/2006">
-    <mc:Choice xmlns:p14="http://schemas.microsoft.com/office/powerpoint/2010/main" Requires="p14">
+  <mc:AlternateContent xmlns:mc="http://schemas.openxmlformats.org/markup-compatibility/2006" xmlns:p14="http://schemas.microsoft.com/office/powerpoint/2010/main">
+    <mc:Choice Requires="p14">
       <p:transition spd="slow" p14:dur="1400">
         <p14:ripple/>
       </p:transition>
     </mc:Choice>
-    <mc:Fallback>
+    <mc:Fallback xmlns="">
       <p:transition spd="slow">
         <p:fade/>
       </p:transition>
@@ -10680,13 +10680,13 @@
   <p:clrMapOvr>
     <a:masterClrMapping/>
   </p:clrMapOvr>
-  <mc:AlternateContent xmlns:mc="http://schemas.openxmlformats.org/markup-compatibility/2006">
-    <mc:Choice xmlns:p14="http://schemas.microsoft.com/office/powerpoint/2010/main" Requires="p14">
+  <mc:AlternateContent xmlns:mc="http://schemas.openxmlformats.org/markup-compatibility/2006" xmlns:p14="http://schemas.microsoft.com/office/powerpoint/2010/main">
+    <mc:Choice Requires="p14">
       <p:transition spd="slow" p14:dur="1400">
         <p14:ripple/>
       </p:transition>
     </mc:Choice>
-    <mc:Fallback>
+    <mc:Fallback xmlns="">
       <p:transition spd="slow">
         <p:fade/>
       </p:transition>
@@ -11435,13 +11435,13 @@
   <p:clrMapOvr>
     <a:masterClrMapping/>
   </p:clrMapOvr>
-  <mc:AlternateContent xmlns:mc="http://schemas.openxmlformats.org/markup-compatibility/2006">
-    <mc:Choice xmlns:p14="http://schemas.microsoft.com/office/powerpoint/2010/main" Requires="p14">
+  <mc:AlternateContent xmlns:mc="http://schemas.openxmlformats.org/markup-compatibility/2006" xmlns:p14="http://schemas.microsoft.com/office/powerpoint/2010/main">
+    <mc:Choice Requires="p14">
       <p:transition spd="slow" p14:dur="1400">
         <p14:ripple/>
       </p:transition>
     </mc:Choice>
-    <mc:Fallback>
+    <mc:Fallback xmlns="">
       <p:transition spd="slow">
         <p:fade/>
       </p:transition>
@@ -11834,13 +11834,13 @@
   <p:clrMapOvr>
     <a:masterClrMapping/>
   </p:clrMapOvr>
-  <mc:AlternateContent xmlns:mc="http://schemas.openxmlformats.org/markup-compatibility/2006">
-    <mc:Choice xmlns:p14="http://schemas.microsoft.com/office/powerpoint/2010/main" Requires="p14">
+  <mc:AlternateContent xmlns:mc="http://schemas.openxmlformats.org/markup-compatibility/2006" xmlns:p14="http://schemas.microsoft.com/office/powerpoint/2010/main">
+    <mc:Choice Requires="p14">
       <p:transition spd="slow" p14:dur="1400">
         <p14:ripple/>
       </p:transition>
     </mc:Choice>
-    <mc:Fallback>
+    <mc:Fallback xmlns="">
       <p:transition spd="slow">
         <p:fade/>
       </p:transition>
@@ -12476,13 +12476,13 @@
   <p:clrMapOvr>
     <a:masterClrMapping/>
   </p:clrMapOvr>
-  <mc:AlternateContent xmlns:mc="http://schemas.openxmlformats.org/markup-compatibility/2006">
-    <mc:Choice xmlns:p14="http://schemas.microsoft.com/office/powerpoint/2010/main" Requires="p14">
+  <mc:AlternateContent xmlns:mc="http://schemas.openxmlformats.org/markup-compatibility/2006" xmlns:p14="http://schemas.microsoft.com/office/powerpoint/2010/main">
+    <mc:Choice Requires="p14">
       <p:transition spd="slow" p14:dur="1400">
         <p14:ripple/>
       </p:transition>
     </mc:Choice>
-    <mc:Fallback>
+    <mc:Fallback xmlns="">
       <p:transition spd="slow">
         <p:fade/>
       </p:transition>
@@ -12896,13 +12896,7 @@
               <a:rPr lang="en-IN" sz="2800" b="1" u="sng" dirty="0" smtClean="0">
                 <a:latin typeface="Castellar" panose="020A0402060406010301" pitchFamily="18" charset="0"/>
               </a:rPr>
-              <a:t>Python </a:t>
-            </a:r>
-            <a:r>
-              <a:rPr lang="en-IN" sz="2800" b="1" u="sng" dirty="0" smtClean="0">
-                <a:latin typeface="Castellar" panose="020A0402060406010301" pitchFamily="18" charset="0"/>
-              </a:rPr>
-              <a:t>Comments</a:t>
+              <a:t>Python Comments</a:t>
             </a:r>
             <a:endParaRPr lang="en-US" sz="2800" b="1" u="sng" dirty="0">
               <a:latin typeface="Castellar" panose="020A0402060406010301" pitchFamily="18" charset="0"/>
@@ -13189,13 +13183,13 @@
   <p:clrMapOvr>
     <a:masterClrMapping/>
   </p:clrMapOvr>
-  <mc:AlternateContent xmlns:mc="http://schemas.openxmlformats.org/markup-compatibility/2006">
-    <mc:Choice xmlns:p14="http://schemas.microsoft.com/office/powerpoint/2010/main" Requires="p14">
+  <mc:AlternateContent xmlns:mc="http://schemas.openxmlformats.org/markup-compatibility/2006" xmlns:p14="http://schemas.microsoft.com/office/powerpoint/2010/main">
+    <mc:Choice Requires="p14">
       <p:transition spd="slow" p14:dur="1400">
         <p14:ripple/>
       </p:transition>
     </mc:Choice>
-    <mc:Fallback>
+    <mc:Fallback xmlns="">
       <p:transition spd="slow">
         <p:fade/>
       </p:transition>
@@ -14342,13 +14336,13 @@
   <p:clrMapOvr>
     <a:masterClrMapping/>
   </p:clrMapOvr>
-  <mc:AlternateContent xmlns:mc="http://schemas.openxmlformats.org/markup-compatibility/2006">
-    <mc:Choice xmlns:p14="http://schemas.microsoft.com/office/powerpoint/2010/main" Requires="p14">
+  <mc:AlternateContent xmlns:mc="http://schemas.openxmlformats.org/markup-compatibility/2006" xmlns:p14="http://schemas.microsoft.com/office/powerpoint/2010/main">
+    <mc:Choice Requires="p14">
       <p:transition spd="slow" p14:dur="1400">
         <p14:ripple/>
       </p:transition>
     </mc:Choice>
-    <mc:Fallback>
+    <mc:Fallback xmlns="">
       <p:transition spd="slow">
         <p:fade/>
       </p:transition>
@@ -16319,13 +16313,13 @@
   <p:clrMapOvr>
     <a:masterClrMapping/>
   </p:clrMapOvr>
-  <mc:AlternateContent xmlns:mc="http://schemas.openxmlformats.org/markup-compatibility/2006">
-    <mc:Choice xmlns:p14="http://schemas.microsoft.com/office/powerpoint/2010/main" Requires="p14">
+  <mc:AlternateContent xmlns:mc="http://schemas.openxmlformats.org/markup-compatibility/2006" xmlns:p14="http://schemas.microsoft.com/office/powerpoint/2010/main">
+    <mc:Choice Requires="p14">
       <p:transition spd="slow" p14:dur="1400">
         <p14:ripple/>
       </p:transition>
     </mc:Choice>
-    <mc:Fallback>
+    <mc:Fallback xmlns="">
       <p:transition spd="slow">
         <p:fade/>
       </p:transition>
@@ -17722,17 +17716,8 @@
             </a:pPr>
             <a:r>
               <a:rPr lang="en-US" dirty="0" smtClean="0"/>
-              <a:t>It </a:t>
-            </a:r>
-            <a:r>
-              <a:rPr lang="en-US" dirty="0" smtClean="0"/>
-              <a:t>can be expressed in  binary, </a:t>
-            </a:r>
-            <a:r>
-              <a:rPr lang="en-US" dirty="0" smtClean="0"/>
-              <a:t>decimal , octal , hexadecimal</a:t>
-            </a:r>
-            <a:endParaRPr lang="en-US" dirty="0" smtClean="0"/>
+              <a:t>It can be expressed in  binary, decimal , octal , hexadecimal</a:t>
+            </a:r>
           </a:p>
           <a:p>
             <a:pPr marL="285750" indent="-285750" algn="l">
@@ -17834,13 +17819,13 @@
   <p:clrMapOvr>
     <a:masterClrMapping/>
   </p:clrMapOvr>
-  <mc:AlternateContent xmlns:mc="http://schemas.openxmlformats.org/markup-compatibility/2006">
-    <mc:Choice xmlns:p14="http://schemas.microsoft.com/office/powerpoint/2010/main" Requires="p14">
+  <mc:AlternateContent xmlns:mc="http://schemas.openxmlformats.org/markup-compatibility/2006" xmlns:p14="http://schemas.microsoft.com/office/powerpoint/2010/main">
+    <mc:Choice Requires="p14">
       <p:transition spd="slow" p14:dur="1400">
         <p14:ripple/>
       </p:transition>
     </mc:Choice>
-    <mc:Fallback>
+    <mc:Fallback xmlns="">
       <p:transition spd="slow">
         <p:fade/>
       </p:transition>
@@ -18640,13 +18625,13 @@
   <p:clrMapOvr>
     <a:masterClrMapping/>
   </p:clrMapOvr>
-  <mc:AlternateContent xmlns:mc="http://schemas.openxmlformats.org/markup-compatibility/2006">
-    <mc:Choice xmlns:p14="http://schemas.microsoft.com/office/powerpoint/2010/main" Requires="p14">
+  <mc:AlternateContent xmlns:mc="http://schemas.openxmlformats.org/markup-compatibility/2006" xmlns:p14="http://schemas.microsoft.com/office/powerpoint/2010/main">
+    <mc:Choice Requires="p14">
       <p:transition spd="slow" p14:dur="1400">
         <p14:ripple/>
       </p:transition>
     </mc:Choice>
-    <mc:Fallback>
+    <mc:Fallback xmlns="">
       <p:transition spd="slow">
         <p:fade/>
       </p:transition>
@@ -19825,13 +19810,13 @@
   <p:clrMapOvr>
     <a:masterClrMapping/>
   </p:clrMapOvr>
-  <mc:AlternateContent xmlns:mc="http://schemas.openxmlformats.org/markup-compatibility/2006">
-    <mc:Choice xmlns:p14="http://schemas.microsoft.com/office/powerpoint/2010/main" Requires="p14">
+  <mc:AlternateContent xmlns:mc="http://schemas.openxmlformats.org/markup-compatibility/2006" xmlns:p14="http://schemas.microsoft.com/office/powerpoint/2010/main">
+    <mc:Choice Requires="p14">
       <p:transition spd="slow" p14:dur="1400">
         <p14:ripple/>
       </p:transition>
     </mc:Choice>
-    <mc:Fallback>
+    <mc:Fallback xmlns="">
       <p:transition spd="slow">
         <p:fade/>
       </p:transition>
@@ -20564,13 +20549,13 @@
   <p:clrMapOvr>
     <a:masterClrMapping/>
   </p:clrMapOvr>
-  <mc:AlternateContent xmlns:mc="http://schemas.openxmlformats.org/markup-compatibility/2006">
-    <mc:Choice xmlns:p14="http://schemas.microsoft.com/office/powerpoint/2010/main" Requires="p14">
+  <mc:AlternateContent xmlns:mc="http://schemas.openxmlformats.org/markup-compatibility/2006" xmlns:p14="http://schemas.microsoft.com/office/powerpoint/2010/main">
+    <mc:Choice Requires="p14">
       <p:transition spd="slow" p14:dur="1400">
         <p14:ripple/>
       </p:transition>
     </mc:Choice>
-    <mc:Fallback>
+    <mc:Fallback xmlns="">
       <p:transition spd="slow">
         <p:fade/>
       </p:transition>
@@ -21342,13 +21327,13 @@
   <p:clrMapOvr>
     <a:masterClrMapping/>
   </p:clrMapOvr>
-  <mc:AlternateContent xmlns:mc="http://schemas.openxmlformats.org/markup-compatibility/2006">
-    <mc:Choice xmlns:p14="http://schemas.microsoft.com/office/powerpoint/2010/main" Requires="p14">
+  <mc:AlternateContent xmlns:mc="http://schemas.openxmlformats.org/markup-compatibility/2006" xmlns:p14="http://schemas.microsoft.com/office/powerpoint/2010/main">
+    <mc:Choice Requires="p14">
       <p:transition spd="slow" p14:dur="1400">
         <p14:ripple/>
       </p:transition>
     </mc:Choice>
-    <mc:Fallback>
+    <mc:Fallback xmlns="">
       <p:transition spd="slow">
         <p:fade/>
       </p:transition>

--- a/Python Session/Python_10_may.pptx
+++ b/Python Session/Python_10_may.pptx
@@ -9,17 +9,18 @@
     <p:sldId id="263" r:id="rId3"/>
     <p:sldId id="264" r:id="rId4"/>
     <p:sldId id="257" r:id="rId5"/>
-    <p:sldId id="258" r:id="rId6"/>
-    <p:sldId id="259" r:id="rId7"/>
-    <p:sldId id="265" r:id="rId8"/>
-    <p:sldId id="266" r:id="rId9"/>
-    <p:sldId id="267" r:id="rId10"/>
-    <p:sldId id="268" r:id="rId11"/>
-    <p:sldId id="269" r:id="rId12"/>
-    <p:sldId id="270" r:id="rId13"/>
-    <p:sldId id="271" r:id="rId14"/>
-    <p:sldId id="261" r:id="rId15"/>
-    <p:sldId id="272" r:id="rId16"/>
+    <p:sldId id="273" r:id="rId6"/>
+    <p:sldId id="258" r:id="rId7"/>
+    <p:sldId id="259" r:id="rId8"/>
+    <p:sldId id="265" r:id="rId9"/>
+    <p:sldId id="266" r:id="rId10"/>
+    <p:sldId id="267" r:id="rId11"/>
+    <p:sldId id="268" r:id="rId12"/>
+    <p:sldId id="269" r:id="rId13"/>
+    <p:sldId id="270" r:id="rId14"/>
+    <p:sldId id="271" r:id="rId15"/>
+    <p:sldId id="261" r:id="rId16"/>
+    <p:sldId id="272" r:id="rId17"/>
   </p:sldIdLst>
   <p:sldSz cx="12192000" cy="6858000"/>
   <p:notesSz cx="6858000" cy="9144000"/>
@@ -314,7 +315,7 @@
           <a:p>
             <a:fld id="{4301CC33-C1E3-43D5-954C-D3879CCC99B6}" type="datetimeFigureOut">
               <a:rPr lang="en-IN" smtClean="0"/>
-              <a:t>08-05-2022</a:t>
+              <a:t>09-05-2022</a:t>
             </a:fld>
             <a:endParaRPr lang="en-IN"/>
           </a:p>
@@ -652,7 +653,7 @@
           <a:p>
             <a:fld id="{4301CC33-C1E3-43D5-954C-D3879CCC99B6}" type="datetimeFigureOut">
               <a:rPr lang="en-IN" smtClean="0"/>
-              <a:t>08-05-2022</a:t>
+              <a:t>09-05-2022</a:t>
             </a:fld>
             <a:endParaRPr lang="en-IN"/>
           </a:p>
@@ -1053,7 +1054,7 @@
           <a:p>
             <a:fld id="{4301CC33-C1E3-43D5-954C-D3879CCC99B6}" type="datetimeFigureOut">
               <a:rPr lang="en-IN" smtClean="0"/>
-              <a:t>08-05-2022</a:t>
+              <a:t>09-05-2022</a:t>
             </a:fld>
             <a:endParaRPr lang="en-IN"/>
           </a:p>
@@ -1389,7 +1390,7 @@
           <a:p>
             <a:fld id="{4301CC33-C1E3-43D5-954C-D3879CCC99B6}" type="datetimeFigureOut">
               <a:rPr lang="en-IN" smtClean="0"/>
-              <a:t>08-05-2022</a:t>
+              <a:t>09-05-2022</a:t>
             </a:fld>
             <a:endParaRPr lang="en-IN"/>
           </a:p>
@@ -1709,7 +1710,7 @@
           <a:p>
             <a:fld id="{4301CC33-C1E3-43D5-954C-D3879CCC99B6}" type="datetimeFigureOut">
               <a:rPr lang="en-IN" smtClean="0"/>
-              <a:t>08-05-2022</a:t>
+              <a:t>09-05-2022</a:t>
             </a:fld>
             <a:endParaRPr lang="en-IN"/>
           </a:p>
@@ -2105,7 +2106,7 @@
           <a:p>
             <a:fld id="{4301CC33-C1E3-43D5-954C-D3879CCC99B6}" type="datetimeFigureOut">
               <a:rPr lang="en-IN" smtClean="0"/>
-              <a:t>08-05-2022</a:t>
+              <a:t>09-05-2022</a:t>
             </a:fld>
             <a:endParaRPr lang="en-IN"/>
           </a:p>
@@ -2362,7 +2363,7 @@
           <a:p>
             <a:fld id="{4301CC33-C1E3-43D5-954C-D3879CCC99B6}" type="datetimeFigureOut">
               <a:rPr lang="en-IN" smtClean="0"/>
-              <a:t>08-05-2022</a:t>
+              <a:t>09-05-2022</a:t>
             </a:fld>
             <a:endParaRPr lang="en-IN"/>
           </a:p>
@@ -2624,7 +2625,7 @@
           <a:p>
             <a:fld id="{4301CC33-C1E3-43D5-954C-D3879CCC99B6}" type="datetimeFigureOut">
               <a:rPr lang="en-IN" smtClean="0"/>
-              <a:t>08-05-2022</a:t>
+              <a:t>09-05-2022</a:t>
             </a:fld>
             <a:endParaRPr lang="en-IN"/>
           </a:p>
@@ -2886,7 +2887,7 @@
           <a:p>
             <a:fld id="{4301CC33-C1E3-43D5-954C-D3879CCC99B6}" type="datetimeFigureOut">
               <a:rPr lang="en-IN" smtClean="0"/>
-              <a:t>08-05-2022</a:t>
+              <a:t>09-05-2022</a:t>
             </a:fld>
             <a:endParaRPr lang="en-IN"/>
           </a:p>
@@ -3215,7 +3216,7 @@
           <a:p>
             <a:fld id="{4301CC33-C1E3-43D5-954C-D3879CCC99B6}" type="datetimeFigureOut">
               <a:rPr lang="en-IN" smtClean="0"/>
-              <a:t>08-05-2022</a:t>
+              <a:t>09-05-2022</a:t>
             </a:fld>
             <a:endParaRPr lang="en-IN"/>
           </a:p>
@@ -3538,7 +3539,7 @@
           <a:p>
             <a:fld id="{4301CC33-C1E3-43D5-954C-D3879CCC99B6}" type="datetimeFigureOut">
               <a:rPr lang="en-IN" smtClean="0"/>
-              <a:t>08-05-2022</a:t>
+              <a:t>09-05-2022</a:t>
             </a:fld>
             <a:endParaRPr lang="en-IN"/>
           </a:p>
@@ -3995,7 +3996,7 @@
           <a:p>
             <a:fld id="{4301CC33-C1E3-43D5-954C-D3879CCC99B6}" type="datetimeFigureOut">
               <a:rPr lang="en-IN" smtClean="0"/>
-              <a:t>08-05-2022</a:t>
+              <a:t>09-05-2022</a:t>
             </a:fld>
             <a:endParaRPr lang="en-IN"/>
           </a:p>
@@ -4200,7 +4201,7 @@
           <a:p>
             <a:fld id="{4301CC33-C1E3-43D5-954C-D3879CCC99B6}" type="datetimeFigureOut">
               <a:rPr lang="en-IN" smtClean="0"/>
-              <a:t>08-05-2022</a:t>
+              <a:t>09-05-2022</a:t>
             </a:fld>
             <a:endParaRPr lang="en-IN"/>
           </a:p>
@@ -4377,7 +4378,7 @@
           <a:p>
             <a:fld id="{4301CC33-C1E3-43D5-954C-D3879CCC99B6}" type="datetimeFigureOut">
               <a:rPr lang="en-IN" smtClean="0"/>
-              <a:t>08-05-2022</a:t>
+              <a:t>09-05-2022</a:t>
             </a:fld>
             <a:endParaRPr lang="en-IN"/>
           </a:p>
@@ -4710,7 +4711,7 @@
           <a:p>
             <a:fld id="{4301CC33-C1E3-43D5-954C-D3879CCC99B6}" type="datetimeFigureOut">
               <a:rPr lang="en-IN" smtClean="0"/>
-              <a:t>08-05-2022</a:t>
+              <a:t>09-05-2022</a:t>
             </a:fld>
             <a:endParaRPr lang="en-IN"/>
           </a:p>
@@ -5055,7 +5056,7 @@
           <a:p>
             <a:fld id="{4301CC33-C1E3-43D5-954C-D3879CCC99B6}" type="datetimeFigureOut">
               <a:rPr lang="en-IN" smtClean="0"/>
-              <a:t>08-05-2022</a:t>
+              <a:t>09-05-2022</a:t>
             </a:fld>
             <a:endParaRPr lang="en-IN"/>
           </a:p>
@@ -7172,7 +7173,7 @@
           <a:p>
             <a:fld id="{4301CC33-C1E3-43D5-954C-D3879CCC99B6}" type="datetimeFigureOut">
               <a:rPr lang="en-IN" smtClean="0"/>
-              <a:t>08-05-2022</a:t>
+              <a:t>09-05-2022</a:t>
             </a:fld>
             <a:endParaRPr lang="en-IN"/>
           </a:p>
@@ -8607,6 +8608,853 @@
         </p:nvSpPr>
         <p:spPr>
           <a:xfrm>
+            <a:off x="3970947" y="361787"/>
+            <a:ext cx="4552060" cy="672254"/>
+          </a:xfrm>
+        </p:spPr>
+        <p:txBody>
+          <a:bodyPr>
+            <a:normAutofit/>
+          </a:bodyPr>
+          <a:lstStyle/>
+          <a:p>
+            <a:r>
+              <a:rPr lang="en-US" sz="2800" b="1" u="sng" dirty="0">
+                <a:latin typeface="Castellar" panose="020A0402060406010301" pitchFamily="18" charset="0"/>
+              </a:rPr>
+              <a:t>Logical operators</a:t>
+            </a:r>
+          </a:p>
+        </p:txBody>
+      </p:sp>
+      <p:sp>
+        <p:nvSpPr>
+          <p:cNvPr id="5" name="Title 1"/>
+          <p:cNvSpPr txBox="1">
+            <a:spLocks/>
+          </p:cNvSpPr>
+          <p:nvPr/>
+        </p:nvSpPr>
+        <p:spPr>
+          <a:xfrm>
+            <a:off x="2368611" y="1189305"/>
+            <a:ext cx="7756733" cy="672254"/>
+          </a:xfrm>
+          <a:prstGeom prst="rect">
+            <a:avLst/>
+          </a:prstGeom>
+        </p:spPr>
+        <p:txBody>
+          <a:bodyPr vert="horz" lIns="91440" tIns="45720" rIns="91440" bIns="45720" rtlCol="0" anchor="b">
+            <a:normAutofit/>
+          </a:bodyPr>
+          <a:lstStyle>
+            <a:lvl1pPr algn="ctr" defTabSz="914400" rtl="0" eaLnBrk="1" latinLnBrk="0" hangingPunct="1">
+              <a:lnSpc>
+                <a:spcPct val="90000"/>
+              </a:lnSpc>
+              <a:spcBef>
+                <a:spcPct val="0"/>
+              </a:spcBef>
+              <a:buNone/>
+              <a:defRPr sz="6000" kern="1200">
+                <a:solidFill>
+                  <a:schemeClr val="tx1"/>
+                </a:solidFill>
+                <a:latin typeface="+mj-lt"/>
+                <a:ea typeface="+mj-ea"/>
+                <a:cs typeface="+mj-cs"/>
+              </a:defRPr>
+            </a:lvl1pPr>
+          </a:lstStyle>
+          <a:p>
+            <a:r>
+              <a:rPr lang="en-US" sz="2000" b="1" dirty="0">
+                <a:solidFill>
+                  <a:srgbClr val="0070C0"/>
+                </a:solidFill>
+              </a:rPr>
+              <a:t>Logical operators are the and, or, not operators.</a:t>
+            </a:r>
+          </a:p>
+        </p:txBody>
+      </p:sp>
+      <p:graphicFrame>
+        <p:nvGraphicFramePr>
+          <p:cNvPr id="4" name="Table 3"/>
+          <p:cNvGraphicFramePr>
+            <a:graphicFrameLocks noGrp="1"/>
+          </p:cNvGraphicFramePr>
+          <p:nvPr>
+            <p:extLst>
+              <p:ext uri="{D42A27DB-BD31-4B8C-83A1-F6EECF244321}">
+                <p14:modId xmlns:p14="http://schemas.microsoft.com/office/powerpoint/2010/main" val="1935931036"/>
+              </p:ext>
+            </p:extLst>
+          </p:nvPr>
+        </p:nvGraphicFramePr>
+        <p:xfrm>
+          <a:off x="838200" y="2675414"/>
+          <a:ext cx="10515600" cy="2377440"/>
+        </p:xfrm>
+        <a:graphic>
+          <a:graphicData uri="http://schemas.openxmlformats.org/drawingml/2006/table">
+            <a:tbl>
+              <a:tblPr/>
+              <a:tblGrid>
+                <a:gridCol w="3505200"/>
+                <a:gridCol w="3505200"/>
+                <a:gridCol w="3505200"/>
+              </a:tblGrid>
+              <a:tr h="0">
+                <a:tc>
+                  <a:txBody>
+                    <a:bodyPr/>
+                    <a:lstStyle/>
+                    <a:p>
+                      <a:pPr algn="l"/>
+                      <a:r>
+                        <a:rPr lang="en-IN" b="1" dirty="0">
+                          <a:effectLst/>
+                        </a:rPr>
+                        <a:t>Operator</a:t>
+                      </a:r>
+                    </a:p>
+                  </a:txBody>
+                  <a:tcPr marL="182880" marR="182880" marT="91440" marB="91440" anchor="ctr">
+                    <a:lnL>
+                      <a:noFill/>
+                    </a:lnL>
+                    <a:lnR>
+                      <a:noFill/>
+                    </a:lnR>
+                    <a:lnT>
+                      <a:noFill/>
+                    </a:lnT>
+                    <a:lnB>
+                      <a:noFill/>
+                    </a:lnB>
+                    <a:solidFill>
+                      <a:srgbClr val="F8FAFF"/>
+                    </a:solidFill>
+                  </a:tcPr>
+                </a:tc>
+                <a:tc>
+                  <a:txBody>
+                    <a:bodyPr/>
+                    <a:lstStyle/>
+                    <a:p>
+                      <a:pPr algn="l"/>
+                      <a:r>
+                        <a:rPr lang="en-IN" b="1">
+                          <a:effectLst/>
+                        </a:rPr>
+                        <a:t>Meaning</a:t>
+                      </a:r>
+                    </a:p>
+                  </a:txBody>
+                  <a:tcPr marL="182880" marR="182880" marT="91440" marB="91440" anchor="ctr">
+                    <a:lnL>
+                      <a:noFill/>
+                    </a:lnL>
+                    <a:lnR>
+                      <a:noFill/>
+                    </a:lnR>
+                    <a:lnT>
+                      <a:noFill/>
+                    </a:lnT>
+                    <a:lnB>
+                      <a:noFill/>
+                    </a:lnB>
+                    <a:solidFill>
+                      <a:srgbClr val="F8FAFF"/>
+                    </a:solidFill>
+                  </a:tcPr>
+                </a:tc>
+                <a:tc>
+                  <a:txBody>
+                    <a:bodyPr/>
+                    <a:lstStyle/>
+                    <a:p>
+                      <a:pPr algn="l"/>
+                      <a:r>
+                        <a:rPr lang="en-IN" b="1" dirty="0">
+                          <a:effectLst/>
+                        </a:rPr>
+                        <a:t>Example</a:t>
+                      </a:r>
+                    </a:p>
+                  </a:txBody>
+                  <a:tcPr marL="182880" marR="182880" marT="91440" marB="91440" anchor="ctr">
+                    <a:lnL>
+                      <a:noFill/>
+                    </a:lnL>
+                    <a:lnR>
+                      <a:noFill/>
+                    </a:lnR>
+                    <a:lnT>
+                      <a:noFill/>
+                    </a:lnT>
+                    <a:lnB>
+                      <a:noFill/>
+                    </a:lnB>
+                    <a:solidFill>
+                      <a:srgbClr val="F8FAFF"/>
+                    </a:solidFill>
+                  </a:tcPr>
+                </a:tc>
+              </a:tr>
+              <a:tr h="0">
+                <a:tc>
+                  <a:txBody>
+                    <a:bodyPr/>
+                    <a:lstStyle/>
+                    <a:p>
+                      <a:r>
+                        <a:rPr lang="en-IN" dirty="0">
+                          <a:effectLst/>
+                        </a:rPr>
+                        <a:t>and</a:t>
+                      </a:r>
+                    </a:p>
+                  </a:txBody>
+                  <a:tcPr marL="182880" marR="182880" marT="91440" marB="91440" anchor="ctr">
+                    <a:lnL>
+                      <a:noFill/>
+                    </a:lnL>
+                    <a:lnR>
+                      <a:noFill/>
+                    </a:lnR>
+                    <a:lnT>
+                      <a:noFill/>
+                    </a:lnT>
+                    <a:lnB>
+                      <a:noFill/>
+                    </a:lnB>
+                    <a:solidFill>
+                      <a:srgbClr val="F8FAFF"/>
+                    </a:solidFill>
+                  </a:tcPr>
+                </a:tc>
+                <a:tc>
+                  <a:txBody>
+                    <a:bodyPr/>
+                    <a:lstStyle/>
+                    <a:p>
+                      <a:r>
+                        <a:rPr lang="en-US">
+                          <a:effectLst/>
+                        </a:rPr>
+                        <a:t>True if both the operands are true</a:t>
+                      </a:r>
+                    </a:p>
+                  </a:txBody>
+                  <a:tcPr marL="182880" marR="182880" marT="91440" marB="91440" anchor="ctr">
+                    <a:lnL>
+                      <a:noFill/>
+                    </a:lnL>
+                    <a:lnR>
+                      <a:noFill/>
+                    </a:lnR>
+                    <a:lnT>
+                      <a:noFill/>
+                    </a:lnT>
+                    <a:lnB>
+                      <a:noFill/>
+                    </a:lnB>
+                    <a:solidFill>
+                      <a:srgbClr val="F8FAFF"/>
+                    </a:solidFill>
+                  </a:tcPr>
+                </a:tc>
+                <a:tc>
+                  <a:txBody>
+                    <a:bodyPr/>
+                    <a:lstStyle/>
+                    <a:p>
+                      <a:r>
+                        <a:rPr lang="en-IN">
+                          <a:effectLst/>
+                        </a:rPr>
+                        <a:t>x and y</a:t>
+                      </a:r>
+                    </a:p>
+                  </a:txBody>
+                  <a:tcPr marL="182880" marR="182880" marT="91440" marB="91440" anchor="ctr">
+                    <a:lnL>
+                      <a:noFill/>
+                    </a:lnL>
+                    <a:lnR>
+                      <a:noFill/>
+                    </a:lnR>
+                    <a:lnT>
+                      <a:noFill/>
+                    </a:lnT>
+                    <a:lnB>
+                      <a:noFill/>
+                    </a:lnB>
+                    <a:solidFill>
+                      <a:srgbClr val="F8FAFF"/>
+                    </a:solidFill>
+                  </a:tcPr>
+                </a:tc>
+              </a:tr>
+              <a:tr h="0">
+                <a:tc>
+                  <a:txBody>
+                    <a:bodyPr/>
+                    <a:lstStyle/>
+                    <a:p>
+                      <a:r>
+                        <a:rPr lang="en-IN">
+                          <a:effectLst/>
+                        </a:rPr>
+                        <a:t>or</a:t>
+                      </a:r>
+                    </a:p>
+                  </a:txBody>
+                  <a:tcPr marL="182880" marR="182880" marT="91440" marB="91440" anchor="ctr">
+                    <a:lnL>
+                      <a:noFill/>
+                    </a:lnL>
+                    <a:lnR>
+                      <a:noFill/>
+                    </a:lnR>
+                    <a:lnT>
+                      <a:noFill/>
+                    </a:lnT>
+                    <a:lnB>
+                      <a:noFill/>
+                    </a:lnB>
+                    <a:solidFill>
+                      <a:srgbClr val="F8FAFF"/>
+                    </a:solidFill>
+                  </a:tcPr>
+                </a:tc>
+                <a:tc>
+                  <a:txBody>
+                    <a:bodyPr/>
+                    <a:lstStyle/>
+                    <a:p>
+                      <a:r>
+                        <a:rPr lang="en-US" dirty="0">
+                          <a:effectLst/>
+                        </a:rPr>
+                        <a:t>True if either of the operands is true</a:t>
+                      </a:r>
+                    </a:p>
+                  </a:txBody>
+                  <a:tcPr marL="182880" marR="182880" marT="91440" marB="91440" anchor="ctr">
+                    <a:lnL>
+                      <a:noFill/>
+                    </a:lnL>
+                    <a:lnR>
+                      <a:noFill/>
+                    </a:lnR>
+                    <a:lnT>
+                      <a:noFill/>
+                    </a:lnT>
+                    <a:lnB>
+                      <a:noFill/>
+                    </a:lnB>
+                    <a:solidFill>
+                      <a:srgbClr val="F8FAFF"/>
+                    </a:solidFill>
+                  </a:tcPr>
+                </a:tc>
+                <a:tc>
+                  <a:txBody>
+                    <a:bodyPr/>
+                    <a:lstStyle/>
+                    <a:p>
+                      <a:r>
+                        <a:rPr lang="en-IN">
+                          <a:effectLst/>
+                        </a:rPr>
+                        <a:t>x or y</a:t>
+                      </a:r>
+                    </a:p>
+                  </a:txBody>
+                  <a:tcPr marL="182880" marR="182880" marT="91440" marB="91440" anchor="ctr">
+                    <a:lnL>
+                      <a:noFill/>
+                    </a:lnL>
+                    <a:lnR>
+                      <a:noFill/>
+                    </a:lnR>
+                    <a:lnT>
+                      <a:noFill/>
+                    </a:lnT>
+                    <a:lnB>
+                      <a:noFill/>
+                    </a:lnB>
+                    <a:solidFill>
+                      <a:srgbClr val="F8FAFF"/>
+                    </a:solidFill>
+                  </a:tcPr>
+                </a:tc>
+              </a:tr>
+              <a:tr h="0">
+                <a:tc>
+                  <a:txBody>
+                    <a:bodyPr/>
+                    <a:lstStyle/>
+                    <a:p>
+                      <a:r>
+                        <a:rPr lang="en-IN">
+                          <a:effectLst/>
+                        </a:rPr>
+                        <a:t>not</a:t>
+                      </a:r>
+                    </a:p>
+                  </a:txBody>
+                  <a:tcPr marL="182880" marR="182880" marT="91440" marB="91440" anchor="ctr">
+                    <a:lnL>
+                      <a:noFill/>
+                    </a:lnL>
+                    <a:lnR>
+                      <a:noFill/>
+                    </a:lnR>
+                    <a:lnT>
+                      <a:noFill/>
+                    </a:lnT>
+                    <a:lnB>
+                      <a:noFill/>
+                    </a:lnB>
+                    <a:solidFill>
+                      <a:srgbClr val="F8FAFF"/>
+                    </a:solidFill>
+                  </a:tcPr>
+                </a:tc>
+                <a:tc>
+                  <a:txBody>
+                    <a:bodyPr/>
+                    <a:lstStyle/>
+                    <a:p>
+                      <a:r>
+                        <a:rPr lang="en-US" dirty="0">
+                          <a:effectLst/>
+                        </a:rPr>
+                        <a:t>True if operand is false </a:t>
+                      </a:r>
+                    </a:p>
+                  </a:txBody>
+                  <a:tcPr marL="182880" marR="182880" marT="91440" marB="91440" anchor="ctr">
+                    <a:lnL>
+                      <a:noFill/>
+                    </a:lnL>
+                    <a:lnR>
+                      <a:noFill/>
+                    </a:lnR>
+                    <a:lnT>
+                      <a:noFill/>
+                    </a:lnT>
+                    <a:lnB>
+                      <a:noFill/>
+                    </a:lnB>
+                    <a:solidFill>
+                      <a:srgbClr val="F8FAFF"/>
+                    </a:solidFill>
+                  </a:tcPr>
+                </a:tc>
+                <a:tc>
+                  <a:txBody>
+                    <a:bodyPr/>
+                    <a:lstStyle/>
+                    <a:p>
+                      <a:r>
+                        <a:rPr lang="en-IN" dirty="0">
+                          <a:effectLst/>
+                        </a:rPr>
+                        <a:t>not x</a:t>
+                      </a:r>
+                    </a:p>
+                  </a:txBody>
+                  <a:tcPr marL="182880" marR="182880" marT="91440" marB="91440" anchor="ctr">
+                    <a:lnL>
+                      <a:noFill/>
+                    </a:lnL>
+                    <a:lnR>
+                      <a:noFill/>
+                    </a:lnR>
+                    <a:lnT>
+                      <a:noFill/>
+                    </a:lnT>
+                    <a:lnB>
+                      <a:noFill/>
+                    </a:lnB>
+                    <a:solidFill>
+                      <a:srgbClr val="F8FAFF"/>
+                    </a:solidFill>
+                  </a:tcPr>
+                </a:tc>
+              </a:tr>
+            </a:tbl>
+          </a:graphicData>
+        </a:graphic>
+      </p:graphicFrame>
+    </p:spTree>
+    <p:extLst>
+      <p:ext uri="{BB962C8B-B14F-4D97-AF65-F5344CB8AC3E}">
+        <p14:creationId xmlns:p14="http://schemas.microsoft.com/office/powerpoint/2010/main" val="1965150641"/>
+      </p:ext>
+    </p:extLst>
+  </p:cSld>
+  <p:clrMapOvr>
+    <a:masterClrMapping/>
+  </p:clrMapOvr>
+  <mc:AlternateContent xmlns:mc="http://schemas.openxmlformats.org/markup-compatibility/2006" xmlns:p14="http://schemas.microsoft.com/office/powerpoint/2010/main">
+    <mc:Choice Requires="p14">
+      <p:transition spd="slow" p14:dur="1400">
+        <p14:ripple/>
+      </p:transition>
+    </mc:Choice>
+    <mc:Fallback xmlns="">
+      <p:transition spd="slow">
+        <p:fade/>
+      </p:transition>
+    </mc:Fallback>
+  </mc:AlternateContent>
+  <p:timing>
+    <p:tnLst>
+      <p:par>
+        <p:cTn id="1" dur="indefinite" restart="never" nodeType="tmRoot">
+          <p:childTnLst>
+            <p:seq concurrent="1" nextAc="seek">
+              <p:cTn id="2" dur="indefinite" nodeType="mainSeq">
+                <p:childTnLst>
+                  <p:par>
+                    <p:cTn id="3" fill="hold">
+                      <p:stCondLst>
+                        <p:cond delay="indefinite"/>
+                      </p:stCondLst>
+                      <p:childTnLst>
+                        <p:par>
+                          <p:cTn id="4" fill="hold">
+                            <p:stCondLst>
+                              <p:cond delay="0"/>
+                            </p:stCondLst>
+                            <p:childTnLst>
+                              <p:par>
+                                <p:cTn id="5" presetID="42" presetClass="entr" presetSubtype="0" fill="hold" grpId="0" nodeType="clickEffect">
+                                  <p:stCondLst>
+                                    <p:cond delay="0"/>
+                                  </p:stCondLst>
+                                  <p:childTnLst>
+                                    <p:set>
+                                      <p:cBhvr>
+                                        <p:cTn id="6" dur="1" fill="hold">
+                                          <p:stCondLst>
+                                            <p:cond delay="0"/>
+                                          </p:stCondLst>
+                                        </p:cTn>
+                                        <p:tgtEl>
+                                          <p:spTgt spid="2"/>
+                                        </p:tgtEl>
+                                        <p:attrNameLst>
+                                          <p:attrName>style.visibility</p:attrName>
+                                        </p:attrNameLst>
+                                      </p:cBhvr>
+                                      <p:to>
+                                        <p:strVal val="visible"/>
+                                      </p:to>
+                                    </p:set>
+                                    <p:animEffect transition="in" filter="fade">
+                                      <p:cBhvr>
+                                        <p:cTn id="7" dur="1000"/>
+                                        <p:tgtEl>
+                                          <p:spTgt spid="2"/>
+                                        </p:tgtEl>
+                                      </p:cBhvr>
+                                    </p:animEffect>
+                                    <p:anim calcmode="lin" valueType="num">
+                                      <p:cBhvr>
+                                        <p:cTn id="8" dur="1000" fill="hold"/>
+                                        <p:tgtEl>
+                                          <p:spTgt spid="2"/>
+                                        </p:tgtEl>
+                                        <p:attrNameLst>
+                                          <p:attrName>ppt_x</p:attrName>
+                                        </p:attrNameLst>
+                                      </p:cBhvr>
+                                      <p:tavLst>
+                                        <p:tav tm="0">
+                                          <p:val>
+                                            <p:strVal val="#ppt_x"/>
+                                          </p:val>
+                                        </p:tav>
+                                        <p:tav tm="100000">
+                                          <p:val>
+                                            <p:strVal val="#ppt_x"/>
+                                          </p:val>
+                                        </p:tav>
+                                      </p:tavLst>
+                                    </p:anim>
+                                    <p:anim calcmode="lin" valueType="num">
+                                      <p:cBhvr>
+                                        <p:cTn id="9" dur="1000" fill="hold"/>
+                                        <p:tgtEl>
+                                          <p:spTgt spid="2"/>
+                                        </p:tgtEl>
+                                        <p:attrNameLst>
+                                          <p:attrName>ppt_y</p:attrName>
+                                        </p:attrNameLst>
+                                      </p:cBhvr>
+                                      <p:tavLst>
+                                        <p:tav tm="0">
+                                          <p:val>
+                                            <p:strVal val="#ppt_y+.1"/>
+                                          </p:val>
+                                        </p:tav>
+                                        <p:tav tm="100000">
+                                          <p:val>
+                                            <p:strVal val="#ppt_y"/>
+                                          </p:val>
+                                        </p:tav>
+                                      </p:tavLst>
+                                    </p:anim>
+                                  </p:childTnLst>
+                                </p:cTn>
+                              </p:par>
+                            </p:childTnLst>
+                          </p:cTn>
+                        </p:par>
+                      </p:childTnLst>
+                    </p:cTn>
+                  </p:par>
+                  <p:par>
+                    <p:cTn id="10" fill="hold">
+                      <p:stCondLst>
+                        <p:cond delay="indefinite"/>
+                      </p:stCondLst>
+                      <p:childTnLst>
+                        <p:par>
+                          <p:cTn id="11" fill="hold">
+                            <p:stCondLst>
+                              <p:cond delay="0"/>
+                            </p:stCondLst>
+                            <p:childTnLst>
+                              <p:par>
+                                <p:cTn id="12" presetID="14" presetClass="entr" presetSubtype="10" fill="hold" grpId="0" nodeType="clickEffect">
+                                  <p:stCondLst>
+                                    <p:cond delay="0"/>
+                                  </p:stCondLst>
+                                  <p:childTnLst>
+                                    <p:set>
+                                      <p:cBhvr>
+                                        <p:cTn id="13" dur="1" fill="hold">
+                                          <p:stCondLst>
+                                            <p:cond delay="0"/>
+                                          </p:stCondLst>
+                                        </p:cTn>
+                                        <p:tgtEl>
+                                          <p:spTgt spid="5"/>
+                                        </p:tgtEl>
+                                        <p:attrNameLst>
+                                          <p:attrName>style.visibility</p:attrName>
+                                        </p:attrNameLst>
+                                      </p:cBhvr>
+                                      <p:to>
+                                        <p:strVal val="visible"/>
+                                      </p:to>
+                                    </p:set>
+                                    <p:animEffect transition="in" filter="randombar(horizontal)">
+                                      <p:cBhvr>
+                                        <p:cTn id="14" dur="500"/>
+                                        <p:tgtEl>
+                                          <p:spTgt spid="5"/>
+                                        </p:tgtEl>
+                                      </p:cBhvr>
+                                    </p:animEffect>
+                                  </p:childTnLst>
+                                </p:cTn>
+                              </p:par>
+                            </p:childTnLst>
+                          </p:cTn>
+                        </p:par>
+                      </p:childTnLst>
+                    </p:cTn>
+                  </p:par>
+                  <p:par>
+                    <p:cTn id="15" fill="hold">
+                      <p:stCondLst>
+                        <p:cond delay="indefinite"/>
+                      </p:stCondLst>
+                      <p:childTnLst>
+                        <p:par>
+                          <p:cTn id="16" fill="hold">
+                            <p:stCondLst>
+                              <p:cond delay="0"/>
+                            </p:stCondLst>
+                            <p:childTnLst>
+                              <p:par>
+                                <p:cTn id="17" presetID="31" presetClass="entr" presetSubtype="0" fill="hold" nodeType="clickEffect">
+                                  <p:stCondLst>
+                                    <p:cond delay="0"/>
+                                  </p:stCondLst>
+                                  <p:childTnLst>
+                                    <p:set>
+                                      <p:cBhvr>
+                                        <p:cTn id="18" dur="1" fill="hold">
+                                          <p:stCondLst>
+                                            <p:cond delay="0"/>
+                                          </p:stCondLst>
+                                        </p:cTn>
+                                        <p:tgtEl>
+                                          <p:spTgt spid="4"/>
+                                        </p:tgtEl>
+                                        <p:attrNameLst>
+                                          <p:attrName>style.visibility</p:attrName>
+                                        </p:attrNameLst>
+                                      </p:cBhvr>
+                                      <p:to>
+                                        <p:strVal val="visible"/>
+                                      </p:to>
+                                    </p:set>
+                                    <p:anim calcmode="lin" valueType="num">
+                                      <p:cBhvr>
+                                        <p:cTn id="19" dur="1000" fill="hold"/>
+                                        <p:tgtEl>
+                                          <p:spTgt spid="4"/>
+                                        </p:tgtEl>
+                                        <p:attrNameLst>
+                                          <p:attrName>ppt_w</p:attrName>
+                                        </p:attrNameLst>
+                                      </p:cBhvr>
+                                      <p:tavLst>
+                                        <p:tav tm="0">
+                                          <p:val>
+                                            <p:fltVal val="0"/>
+                                          </p:val>
+                                        </p:tav>
+                                        <p:tav tm="100000">
+                                          <p:val>
+                                            <p:strVal val="#ppt_w"/>
+                                          </p:val>
+                                        </p:tav>
+                                      </p:tavLst>
+                                    </p:anim>
+                                    <p:anim calcmode="lin" valueType="num">
+                                      <p:cBhvr>
+                                        <p:cTn id="20" dur="1000" fill="hold"/>
+                                        <p:tgtEl>
+                                          <p:spTgt spid="4"/>
+                                        </p:tgtEl>
+                                        <p:attrNameLst>
+                                          <p:attrName>ppt_h</p:attrName>
+                                        </p:attrNameLst>
+                                      </p:cBhvr>
+                                      <p:tavLst>
+                                        <p:tav tm="0">
+                                          <p:val>
+                                            <p:fltVal val="0"/>
+                                          </p:val>
+                                        </p:tav>
+                                        <p:tav tm="100000">
+                                          <p:val>
+                                            <p:strVal val="#ppt_h"/>
+                                          </p:val>
+                                        </p:tav>
+                                      </p:tavLst>
+                                    </p:anim>
+                                    <p:anim calcmode="lin" valueType="num">
+                                      <p:cBhvr>
+                                        <p:cTn id="21" dur="1000" fill="hold"/>
+                                        <p:tgtEl>
+                                          <p:spTgt spid="4"/>
+                                        </p:tgtEl>
+                                        <p:attrNameLst>
+                                          <p:attrName>style.rotation</p:attrName>
+                                        </p:attrNameLst>
+                                      </p:cBhvr>
+                                      <p:tavLst>
+                                        <p:tav tm="0">
+                                          <p:val>
+                                            <p:fltVal val="90"/>
+                                          </p:val>
+                                        </p:tav>
+                                        <p:tav tm="100000">
+                                          <p:val>
+                                            <p:fltVal val="0"/>
+                                          </p:val>
+                                        </p:tav>
+                                      </p:tavLst>
+                                    </p:anim>
+                                    <p:animEffect transition="in" filter="fade">
+                                      <p:cBhvr>
+                                        <p:cTn id="22" dur="1000"/>
+                                        <p:tgtEl>
+                                          <p:spTgt spid="4"/>
+                                        </p:tgtEl>
+                                      </p:cBhvr>
+                                    </p:animEffect>
+                                  </p:childTnLst>
+                                </p:cTn>
+                              </p:par>
+                            </p:childTnLst>
+                          </p:cTn>
+                        </p:par>
+                      </p:childTnLst>
+                    </p:cTn>
+                  </p:par>
+                </p:childTnLst>
+              </p:cTn>
+              <p:prevCondLst>
+                <p:cond evt="onPrev" delay="0">
+                  <p:tgtEl>
+                    <p:sldTgt/>
+                  </p:tgtEl>
+                </p:cond>
+              </p:prevCondLst>
+              <p:nextCondLst>
+                <p:cond evt="onNext" delay="0">
+                  <p:tgtEl>
+                    <p:sldTgt/>
+                  </p:tgtEl>
+                </p:cond>
+              </p:nextCondLst>
+            </p:seq>
+          </p:childTnLst>
+        </p:cTn>
+      </p:par>
+    </p:tnLst>
+    <p:bldLst>
+      <p:bldP spid="2" grpId="0"/>
+      <p:bldP spid="5" grpId="0"/>
+    </p:bldLst>
+  </p:timing>
+</p:sld>
+</file>
+
+<file path=ppt/slides/slide11.xml><?xml version="1.0" encoding="utf-8"?>
+<p:sld xmlns:a="http://schemas.openxmlformats.org/drawingml/2006/main" xmlns:r="http://schemas.openxmlformats.org/officeDocument/2006/relationships" xmlns:p="http://schemas.openxmlformats.org/presentationml/2006/main">
+  <p:cSld>
+    <p:spTree>
+      <p:nvGrpSpPr>
+        <p:cNvPr id="1" name=""/>
+        <p:cNvGrpSpPr/>
+        <p:nvPr/>
+      </p:nvGrpSpPr>
+      <p:grpSpPr>
+        <a:xfrm>
+          <a:off x="0" y="0"/>
+          <a:ext cx="0" cy="0"/>
+          <a:chOff x="0" y="0"/>
+          <a:chExt cx="0" cy="0"/>
+        </a:xfrm>
+      </p:grpSpPr>
+      <p:sp>
+        <p:nvSpPr>
+          <p:cNvPr id="2" name="Title 1"/>
+          <p:cNvSpPr>
+            <a:spLocks noGrp="1"/>
+          </p:cNvSpPr>
+          <p:nvPr>
+            <p:ph type="ctrTitle"/>
+          </p:nvPr>
+        </p:nvSpPr>
+        <p:spPr>
+          <a:xfrm>
             <a:off x="3948158" y="259237"/>
             <a:ext cx="3734512" cy="672254"/>
           </a:xfrm>
@@ -9332,7 +10180,7 @@
 </p:sld>
 </file>
 
-<file path=ppt/slides/slide11.xml><?xml version="1.0" encoding="utf-8"?>
+<file path=ppt/slides/slide12.xml><?xml version="1.0" encoding="utf-8"?>
 <p:sld xmlns:a="http://schemas.openxmlformats.org/drawingml/2006/main" xmlns:r="http://schemas.openxmlformats.org/officeDocument/2006/relationships" xmlns:p="http://schemas.openxmlformats.org/presentationml/2006/main">
   <p:cSld>
     <p:spTree>
@@ -10311,7 +11159,7 @@
 </p:sld>
 </file>
 
-<file path=ppt/slides/slide12.xml><?xml version="1.0" encoding="utf-8"?>
+<file path=ppt/slides/slide13.xml><?xml version="1.0" encoding="utf-8"?>
 <p:sld xmlns:a="http://schemas.openxmlformats.org/drawingml/2006/main" xmlns:r="http://schemas.openxmlformats.org/officeDocument/2006/relationships" xmlns:p="http://schemas.openxmlformats.org/presentationml/2006/main">
   <p:cSld>
     <p:spTree>
@@ -11072,7 +11920,7 @@
 </p:sld>
 </file>
 
-<file path=ppt/slides/slide13.xml><?xml version="1.0" encoding="utf-8"?>
+<file path=ppt/slides/slide14.xml><?xml version="1.0" encoding="utf-8"?>
 <p:sld xmlns:a="http://schemas.openxmlformats.org/drawingml/2006/main" xmlns:r="http://schemas.openxmlformats.org/officeDocument/2006/relationships" xmlns:p="http://schemas.openxmlformats.org/presentationml/2006/main">
   <p:cSld>
     <p:spTree>
@@ -11457,7 +12305,7 @@
 </p:sld>
 </file>
 
-<file path=ppt/slides/slide14.xml><?xml version="1.0" encoding="utf-8"?>
+<file path=ppt/slides/slide15.xml><?xml version="1.0" encoding="utf-8"?>
 <p:sld xmlns:a="http://schemas.openxmlformats.org/drawingml/2006/main" xmlns:r="http://schemas.openxmlformats.org/officeDocument/2006/relationships" xmlns:p="http://schemas.openxmlformats.org/presentationml/2006/main">
   <p:cSld>
     <p:spTree>
@@ -12409,7 +13257,7 @@
 </p:sld>
 </file>
 
-<file path=ppt/slides/slide15.xml><?xml version="1.0" encoding="utf-8"?>
+<file path=ppt/slides/slide16.xml><?xml version="1.0" encoding="utf-8"?>
 <p:sld xmlns:a="http://schemas.openxmlformats.org/drawingml/2006/main" xmlns:r="http://schemas.openxmlformats.org/officeDocument/2006/relationships" xmlns:p="http://schemas.openxmlformats.org/presentationml/2006/main">
   <p:cSld>
     <p:spTree>
@@ -17668,6 +18516,244 @@
         </p:nvSpPr>
         <p:spPr>
           <a:xfrm>
+            <a:off x="1575051" y="153367"/>
+            <a:ext cx="7756733" cy="672254"/>
+          </a:xfrm>
+        </p:spPr>
+        <p:txBody>
+          <a:bodyPr>
+            <a:normAutofit/>
+          </a:bodyPr>
+          <a:lstStyle/>
+          <a:p>
+            <a:r>
+              <a:rPr lang="en-IN" sz="3600" b="1" u="sng" dirty="0" smtClean="0">
+                <a:latin typeface="Castellar" panose="020A0402060406010301" pitchFamily="18" charset="0"/>
+              </a:rPr>
+              <a:t>Data Types</a:t>
+            </a:r>
+            <a:endParaRPr lang="en-IN" sz="3600" b="1" u="sng" dirty="0">
+              <a:latin typeface="Castellar" panose="020A0402060406010301" pitchFamily="18" charset="0"/>
+            </a:endParaRPr>
+          </a:p>
+        </p:txBody>
+      </p:sp>
+      <p:pic>
+        <p:nvPicPr>
+          <p:cNvPr id="5" name="Picture 4"/>
+          <p:cNvPicPr>
+            <a:picLocks noChangeAspect="1"/>
+          </p:cNvPicPr>
+          <p:nvPr/>
+        </p:nvPicPr>
+        <p:blipFill>
+          <a:blip r:embed="rId2">
+            <a:extLst>
+              <a:ext uri="{28A0092B-C50C-407E-A947-70E740481C1C}">
+                <a14:useLocalDpi xmlns:a14="http://schemas.microsoft.com/office/drawing/2010/main" val="0"/>
+              </a:ext>
+            </a:extLst>
+          </a:blip>
+          <a:stretch>
+            <a:fillRect/>
+          </a:stretch>
+        </p:blipFill>
+        <p:spPr>
+          <a:xfrm>
+            <a:off x="1059678" y="2201247"/>
+            <a:ext cx="10271469" cy="3652622"/>
+          </a:xfrm>
+          <a:prstGeom prst="rect">
+            <a:avLst/>
+          </a:prstGeom>
+        </p:spPr>
+      </p:pic>
+    </p:spTree>
+    <p:extLst>
+      <p:ext uri="{BB962C8B-B14F-4D97-AF65-F5344CB8AC3E}">
+        <p14:creationId xmlns:p14="http://schemas.microsoft.com/office/powerpoint/2010/main" val="2488745252"/>
+      </p:ext>
+    </p:extLst>
+  </p:cSld>
+  <p:clrMapOvr>
+    <a:masterClrMapping/>
+  </p:clrMapOvr>
+  <mc:AlternateContent xmlns:mc="http://schemas.openxmlformats.org/markup-compatibility/2006">
+    <mc:Choice xmlns:p14="http://schemas.microsoft.com/office/powerpoint/2010/main" Requires="p14">
+      <p:transition spd="slow" p14:dur="1400">
+        <p14:ripple/>
+      </p:transition>
+    </mc:Choice>
+    <mc:Fallback>
+      <p:transition spd="slow">
+        <p:fade/>
+      </p:transition>
+    </mc:Fallback>
+  </mc:AlternateContent>
+  <p:timing>
+    <p:tnLst>
+      <p:par>
+        <p:cTn id="1" dur="indefinite" restart="never" nodeType="tmRoot">
+          <p:childTnLst>
+            <p:seq concurrent="1" nextAc="seek">
+              <p:cTn id="2" dur="indefinite" nodeType="mainSeq">
+                <p:childTnLst>
+                  <p:par>
+                    <p:cTn id="3" fill="hold">
+                      <p:stCondLst>
+                        <p:cond delay="indefinite"/>
+                      </p:stCondLst>
+                      <p:childTnLst>
+                        <p:par>
+                          <p:cTn id="4" fill="hold">
+                            <p:stCondLst>
+                              <p:cond delay="0"/>
+                            </p:stCondLst>
+                            <p:childTnLst>
+                              <p:par>
+                                <p:cTn id="5" presetID="42" presetClass="entr" presetSubtype="0" fill="hold" grpId="0" nodeType="clickEffect">
+                                  <p:stCondLst>
+                                    <p:cond delay="0"/>
+                                  </p:stCondLst>
+                                  <p:childTnLst>
+                                    <p:set>
+                                      <p:cBhvr>
+                                        <p:cTn id="6" dur="1" fill="hold">
+                                          <p:stCondLst>
+                                            <p:cond delay="0"/>
+                                          </p:stCondLst>
+                                        </p:cTn>
+                                        <p:tgtEl>
+                                          <p:spTgt spid="2"/>
+                                        </p:tgtEl>
+                                        <p:attrNameLst>
+                                          <p:attrName>style.visibility</p:attrName>
+                                        </p:attrNameLst>
+                                      </p:cBhvr>
+                                      <p:to>
+                                        <p:strVal val="visible"/>
+                                      </p:to>
+                                    </p:set>
+                                    <p:animEffect transition="in" filter="fade">
+                                      <p:cBhvr>
+                                        <p:cTn id="7" dur="1000"/>
+                                        <p:tgtEl>
+                                          <p:spTgt spid="2"/>
+                                        </p:tgtEl>
+                                      </p:cBhvr>
+                                    </p:animEffect>
+                                    <p:anim calcmode="lin" valueType="num">
+                                      <p:cBhvr>
+                                        <p:cTn id="8" dur="1000" fill="hold"/>
+                                        <p:tgtEl>
+                                          <p:spTgt spid="2"/>
+                                        </p:tgtEl>
+                                        <p:attrNameLst>
+                                          <p:attrName>ppt_x</p:attrName>
+                                        </p:attrNameLst>
+                                      </p:cBhvr>
+                                      <p:tavLst>
+                                        <p:tav tm="0">
+                                          <p:val>
+                                            <p:strVal val="#ppt_x"/>
+                                          </p:val>
+                                        </p:tav>
+                                        <p:tav tm="100000">
+                                          <p:val>
+                                            <p:strVal val="#ppt_x"/>
+                                          </p:val>
+                                        </p:tav>
+                                      </p:tavLst>
+                                    </p:anim>
+                                    <p:anim calcmode="lin" valueType="num">
+                                      <p:cBhvr>
+                                        <p:cTn id="9" dur="1000" fill="hold"/>
+                                        <p:tgtEl>
+                                          <p:spTgt spid="2"/>
+                                        </p:tgtEl>
+                                        <p:attrNameLst>
+                                          <p:attrName>ppt_y</p:attrName>
+                                        </p:attrNameLst>
+                                      </p:cBhvr>
+                                      <p:tavLst>
+                                        <p:tav tm="0">
+                                          <p:val>
+                                            <p:strVal val="#ppt_y+.1"/>
+                                          </p:val>
+                                        </p:tav>
+                                        <p:tav tm="100000">
+                                          <p:val>
+                                            <p:strVal val="#ppt_y"/>
+                                          </p:val>
+                                        </p:tav>
+                                      </p:tavLst>
+                                    </p:anim>
+                                  </p:childTnLst>
+                                </p:cTn>
+                              </p:par>
+                            </p:childTnLst>
+                          </p:cTn>
+                        </p:par>
+                      </p:childTnLst>
+                    </p:cTn>
+                  </p:par>
+                </p:childTnLst>
+              </p:cTn>
+              <p:prevCondLst>
+                <p:cond evt="onPrev" delay="0">
+                  <p:tgtEl>
+                    <p:sldTgt/>
+                  </p:tgtEl>
+                </p:cond>
+              </p:prevCondLst>
+              <p:nextCondLst>
+                <p:cond evt="onNext" delay="0">
+                  <p:tgtEl>
+                    <p:sldTgt/>
+                  </p:tgtEl>
+                </p:cond>
+              </p:nextCondLst>
+            </p:seq>
+          </p:childTnLst>
+        </p:cTn>
+      </p:par>
+    </p:tnLst>
+    <p:bldLst>
+      <p:bldP spid="2" grpId="0"/>
+    </p:bldLst>
+  </p:timing>
+</p:sld>
+</file>
+
+<file path=ppt/slides/slide6.xml><?xml version="1.0" encoding="utf-8"?>
+<p:sld xmlns:a="http://schemas.openxmlformats.org/drawingml/2006/main" xmlns:r="http://schemas.openxmlformats.org/officeDocument/2006/relationships" xmlns:p="http://schemas.openxmlformats.org/presentationml/2006/main">
+  <p:cSld>
+    <p:spTree>
+      <p:nvGrpSpPr>
+        <p:cNvPr id="1" name=""/>
+        <p:cNvGrpSpPr/>
+        <p:nvPr/>
+      </p:nvGrpSpPr>
+      <p:grpSpPr>
+        <a:xfrm>
+          <a:off x="0" y="0"/>
+          <a:ext cx="0" cy="0"/>
+          <a:chOff x="0" y="0"/>
+          <a:chExt cx="0" cy="0"/>
+        </a:xfrm>
+      </p:grpSpPr>
+      <p:sp>
+        <p:nvSpPr>
+          <p:cNvPr id="2" name="Title 1"/>
+          <p:cNvSpPr>
+            <a:spLocks noGrp="1"/>
+          </p:cNvSpPr>
+          <p:nvPr>
+            <p:ph type="ctrTitle"/>
+          </p:nvPr>
+        </p:nvSpPr>
+        <p:spPr>
+          <a:xfrm>
             <a:off x="1686370" y="507066"/>
             <a:ext cx="7756733" cy="672254"/>
           </a:xfrm>
@@ -18455,7 +19541,7 @@
 </p:sld>
 </file>
 
-<file path=ppt/slides/slide6.xml><?xml version="1.0" encoding="utf-8"?>
+<file path=ppt/slides/slide7.xml><?xml version="1.0" encoding="utf-8"?>
 <p:sld xmlns:a="http://schemas.openxmlformats.org/drawingml/2006/main" xmlns:r="http://schemas.openxmlformats.org/officeDocument/2006/relationships" xmlns:p="http://schemas.openxmlformats.org/presentationml/2006/main">
   <p:cSld>
     <p:spTree>
@@ -19276,7 +20362,7 @@
 </p:sld>
 </file>
 
-<file path=ppt/slides/slide7.xml><?xml version="1.0" encoding="utf-8"?>
+<file path=ppt/slides/slide8.xml><?xml version="1.0" encoding="utf-8"?>
 <p:sld xmlns:a="http://schemas.openxmlformats.org/drawingml/2006/main" xmlns:r="http://schemas.openxmlformats.org/officeDocument/2006/relationships" xmlns:p="http://schemas.openxmlformats.org/presentationml/2006/main">
   <p:cSld>
     <p:spTree>
@@ -20064,7 +21150,7 @@
 </p:sld>
 </file>
 
-<file path=ppt/slides/slide8.xml><?xml version="1.0" encoding="utf-8"?>
+<file path=ppt/slides/slide9.xml><?xml version="1.0" encoding="utf-8"?>
 <p:sld xmlns:a="http://schemas.openxmlformats.org/drawingml/2006/main" xmlns:r="http://schemas.openxmlformats.org/officeDocument/2006/relationships" xmlns:p="http://schemas.openxmlformats.org/presentationml/2006/main">
   <p:cSld>
     <p:spTree>
@@ -20803,853 +21889,6 @@
 </p:sld>
 </file>
 
-<file path=ppt/slides/slide9.xml><?xml version="1.0" encoding="utf-8"?>
-<p:sld xmlns:a="http://schemas.openxmlformats.org/drawingml/2006/main" xmlns:r="http://schemas.openxmlformats.org/officeDocument/2006/relationships" xmlns:p="http://schemas.openxmlformats.org/presentationml/2006/main">
-  <p:cSld>
-    <p:spTree>
-      <p:nvGrpSpPr>
-        <p:cNvPr id="1" name=""/>
-        <p:cNvGrpSpPr/>
-        <p:nvPr/>
-      </p:nvGrpSpPr>
-      <p:grpSpPr>
-        <a:xfrm>
-          <a:off x="0" y="0"/>
-          <a:ext cx="0" cy="0"/>
-          <a:chOff x="0" y="0"/>
-          <a:chExt cx="0" cy="0"/>
-        </a:xfrm>
-      </p:grpSpPr>
-      <p:sp>
-        <p:nvSpPr>
-          <p:cNvPr id="2" name="Title 1"/>
-          <p:cNvSpPr>
-            <a:spLocks noGrp="1"/>
-          </p:cNvSpPr>
-          <p:nvPr>
-            <p:ph type="ctrTitle"/>
-          </p:nvPr>
-        </p:nvSpPr>
-        <p:spPr>
-          <a:xfrm>
-            <a:off x="3970947" y="361787"/>
-            <a:ext cx="4552060" cy="672254"/>
-          </a:xfrm>
-        </p:spPr>
-        <p:txBody>
-          <a:bodyPr>
-            <a:normAutofit/>
-          </a:bodyPr>
-          <a:lstStyle/>
-          <a:p>
-            <a:r>
-              <a:rPr lang="en-US" sz="2800" b="1" u="sng" dirty="0">
-                <a:latin typeface="Castellar" panose="020A0402060406010301" pitchFamily="18" charset="0"/>
-              </a:rPr>
-              <a:t>Logical operators</a:t>
-            </a:r>
-          </a:p>
-        </p:txBody>
-      </p:sp>
-      <p:sp>
-        <p:nvSpPr>
-          <p:cNvPr id="5" name="Title 1"/>
-          <p:cNvSpPr txBox="1">
-            <a:spLocks/>
-          </p:cNvSpPr>
-          <p:nvPr/>
-        </p:nvSpPr>
-        <p:spPr>
-          <a:xfrm>
-            <a:off x="2368611" y="1189305"/>
-            <a:ext cx="7756733" cy="672254"/>
-          </a:xfrm>
-          <a:prstGeom prst="rect">
-            <a:avLst/>
-          </a:prstGeom>
-        </p:spPr>
-        <p:txBody>
-          <a:bodyPr vert="horz" lIns="91440" tIns="45720" rIns="91440" bIns="45720" rtlCol="0" anchor="b">
-            <a:normAutofit/>
-          </a:bodyPr>
-          <a:lstStyle>
-            <a:lvl1pPr algn="ctr" defTabSz="914400" rtl="0" eaLnBrk="1" latinLnBrk="0" hangingPunct="1">
-              <a:lnSpc>
-                <a:spcPct val="90000"/>
-              </a:lnSpc>
-              <a:spcBef>
-                <a:spcPct val="0"/>
-              </a:spcBef>
-              <a:buNone/>
-              <a:defRPr sz="6000" kern="1200">
-                <a:solidFill>
-                  <a:schemeClr val="tx1"/>
-                </a:solidFill>
-                <a:latin typeface="+mj-lt"/>
-                <a:ea typeface="+mj-ea"/>
-                <a:cs typeface="+mj-cs"/>
-              </a:defRPr>
-            </a:lvl1pPr>
-          </a:lstStyle>
-          <a:p>
-            <a:r>
-              <a:rPr lang="en-US" sz="2000" b="1" dirty="0">
-                <a:solidFill>
-                  <a:srgbClr val="0070C0"/>
-                </a:solidFill>
-              </a:rPr>
-              <a:t>Logical operators are the and, or, not operators.</a:t>
-            </a:r>
-          </a:p>
-        </p:txBody>
-      </p:sp>
-      <p:graphicFrame>
-        <p:nvGraphicFramePr>
-          <p:cNvPr id="4" name="Table 3"/>
-          <p:cNvGraphicFramePr>
-            <a:graphicFrameLocks noGrp="1"/>
-          </p:cNvGraphicFramePr>
-          <p:nvPr>
-            <p:extLst>
-              <p:ext uri="{D42A27DB-BD31-4B8C-83A1-F6EECF244321}">
-                <p14:modId xmlns:p14="http://schemas.microsoft.com/office/powerpoint/2010/main" val="3860158148"/>
-              </p:ext>
-            </p:extLst>
-          </p:nvPr>
-        </p:nvGraphicFramePr>
-        <p:xfrm>
-          <a:off x="838200" y="2675414"/>
-          <a:ext cx="10515600" cy="2926080"/>
-        </p:xfrm>
-        <a:graphic>
-          <a:graphicData uri="http://schemas.openxmlformats.org/drawingml/2006/table">
-            <a:tbl>
-              <a:tblPr/>
-              <a:tblGrid>
-                <a:gridCol w="3505200"/>
-                <a:gridCol w="3505200"/>
-                <a:gridCol w="3505200"/>
-              </a:tblGrid>
-              <a:tr h="0">
-                <a:tc>
-                  <a:txBody>
-                    <a:bodyPr/>
-                    <a:lstStyle/>
-                    <a:p>
-                      <a:pPr algn="l"/>
-                      <a:r>
-                        <a:rPr lang="en-IN" b="1" dirty="0">
-                          <a:effectLst/>
-                        </a:rPr>
-                        <a:t>Operator</a:t>
-                      </a:r>
-                    </a:p>
-                  </a:txBody>
-                  <a:tcPr marL="182880" marR="182880" marT="91440" marB="91440" anchor="ctr">
-                    <a:lnL>
-                      <a:noFill/>
-                    </a:lnL>
-                    <a:lnR>
-                      <a:noFill/>
-                    </a:lnR>
-                    <a:lnT>
-                      <a:noFill/>
-                    </a:lnT>
-                    <a:lnB>
-                      <a:noFill/>
-                    </a:lnB>
-                    <a:solidFill>
-                      <a:srgbClr val="F8FAFF"/>
-                    </a:solidFill>
-                  </a:tcPr>
-                </a:tc>
-                <a:tc>
-                  <a:txBody>
-                    <a:bodyPr/>
-                    <a:lstStyle/>
-                    <a:p>
-                      <a:pPr algn="l"/>
-                      <a:r>
-                        <a:rPr lang="en-IN" b="1">
-                          <a:effectLst/>
-                        </a:rPr>
-                        <a:t>Meaning</a:t>
-                      </a:r>
-                    </a:p>
-                  </a:txBody>
-                  <a:tcPr marL="182880" marR="182880" marT="91440" marB="91440" anchor="ctr">
-                    <a:lnL>
-                      <a:noFill/>
-                    </a:lnL>
-                    <a:lnR>
-                      <a:noFill/>
-                    </a:lnR>
-                    <a:lnT>
-                      <a:noFill/>
-                    </a:lnT>
-                    <a:lnB>
-                      <a:noFill/>
-                    </a:lnB>
-                    <a:solidFill>
-                      <a:srgbClr val="F8FAFF"/>
-                    </a:solidFill>
-                  </a:tcPr>
-                </a:tc>
-                <a:tc>
-                  <a:txBody>
-                    <a:bodyPr/>
-                    <a:lstStyle/>
-                    <a:p>
-                      <a:pPr algn="l"/>
-                      <a:r>
-                        <a:rPr lang="en-IN" b="1" dirty="0">
-                          <a:effectLst/>
-                        </a:rPr>
-                        <a:t>Example</a:t>
-                      </a:r>
-                    </a:p>
-                  </a:txBody>
-                  <a:tcPr marL="182880" marR="182880" marT="91440" marB="91440" anchor="ctr">
-                    <a:lnL>
-                      <a:noFill/>
-                    </a:lnL>
-                    <a:lnR>
-                      <a:noFill/>
-                    </a:lnR>
-                    <a:lnT>
-                      <a:noFill/>
-                    </a:lnT>
-                    <a:lnB>
-                      <a:noFill/>
-                    </a:lnB>
-                    <a:solidFill>
-                      <a:srgbClr val="F8FAFF"/>
-                    </a:solidFill>
-                  </a:tcPr>
-                </a:tc>
-              </a:tr>
-              <a:tr h="0">
-                <a:tc>
-                  <a:txBody>
-                    <a:bodyPr/>
-                    <a:lstStyle/>
-                    <a:p>
-                      <a:r>
-                        <a:rPr lang="en-IN" dirty="0">
-                          <a:effectLst/>
-                        </a:rPr>
-                        <a:t>and</a:t>
-                      </a:r>
-                    </a:p>
-                  </a:txBody>
-                  <a:tcPr marL="182880" marR="182880" marT="91440" marB="91440" anchor="ctr">
-                    <a:lnL>
-                      <a:noFill/>
-                    </a:lnL>
-                    <a:lnR>
-                      <a:noFill/>
-                    </a:lnR>
-                    <a:lnT>
-                      <a:noFill/>
-                    </a:lnT>
-                    <a:lnB>
-                      <a:noFill/>
-                    </a:lnB>
-                    <a:solidFill>
-                      <a:srgbClr val="F8FAFF"/>
-                    </a:solidFill>
-                  </a:tcPr>
-                </a:tc>
-                <a:tc>
-                  <a:txBody>
-                    <a:bodyPr/>
-                    <a:lstStyle/>
-                    <a:p>
-                      <a:r>
-                        <a:rPr lang="en-US">
-                          <a:effectLst/>
-                        </a:rPr>
-                        <a:t>True if both the operands are true</a:t>
-                      </a:r>
-                    </a:p>
-                  </a:txBody>
-                  <a:tcPr marL="182880" marR="182880" marT="91440" marB="91440" anchor="ctr">
-                    <a:lnL>
-                      <a:noFill/>
-                    </a:lnL>
-                    <a:lnR>
-                      <a:noFill/>
-                    </a:lnR>
-                    <a:lnT>
-                      <a:noFill/>
-                    </a:lnT>
-                    <a:lnB>
-                      <a:noFill/>
-                    </a:lnB>
-                    <a:solidFill>
-                      <a:srgbClr val="F8FAFF"/>
-                    </a:solidFill>
-                  </a:tcPr>
-                </a:tc>
-                <a:tc>
-                  <a:txBody>
-                    <a:bodyPr/>
-                    <a:lstStyle/>
-                    <a:p>
-                      <a:r>
-                        <a:rPr lang="en-IN">
-                          <a:effectLst/>
-                        </a:rPr>
-                        <a:t>x and y</a:t>
-                      </a:r>
-                    </a:p>
-                  </a:txBody>
-                  <a:tcPr marL="182880" marR="182880" marT="91440" marB="91440" anchor="ctr">
-                    <a:lnL>
-                      <a:noFill/>
-                    </a:lnL>
-                    <a:lnR>
-                      <a:noFill/>
-                    </a:lnR>
-                    <a:lnT>
-                      <a:noFill/>
-                    </a:lnT>
-                    <a:lnB>
-                      <a:noFill/>
-                    </a:lnB>
-                    <a:solidFill>
-                      <a:srgbClr val="F8FAFF"/>
-                    </a:solidFill>
-                  </a:tcPr>
-                </a:tc>
-              </a:tr>
-              <a:tr h="0">
-                <a:tc>
-                  <a:txBody>
-                    <a:bodyPr/>
-                    <a:lstStyle/>
-                    <a:p>
-                      <a:r>
-                        <a:rPr lang="en-IN">
-                          <a:effectLst/>
-                        </a:rPr>
-                        <a:t>or</a:t>
-                      </a:r>
-                    </a:p>
-                  </a:txBody>
-                  <a:tcPr marL="182880" marR="182880" marT="91440" marB="91440" anchor="ctr">
-                    <a:lnL>
-                      <a:noFill/>
-                    </a:lnL>
-                    <a:lnR>
-                      <a:noFill/>
-                    </a:lnR>
-                    <a:lnT>
-                      <a:noFill/>
-                    </a:lnT>
-                    <a:lnB>
-                      <a:noFill/>
-                    </a:lnB>
-                    <a:solidFill>
-                      <a:srgbClr val="F8FAFF"/>
-                    </a:solidFill>
-                  </a:tcPr>
-                </a:tc>
-                <a:tc>
-                  <a:txBody>
-                    <a:bodyPr/>
-                    <a:lstStyle/>
-                    <a:p>
-                      <a:r>
-                        <a:rPr lang="en-US" dirty="0">
-                          <a:effectLst/>
-                        </a:rPr>
-                        <a:t>True if either of the operands is true</a:t>
-                      </a:r>
-                    </a:p>
-                  </a:txBody>
-                  <a:tcPr marL="182880" marR="182880" marT="91440" marB="91440" anchor="ctr">
-                    <a:lnL>
-                      <a:noFill/>
-                    </a:lnL>
-                    <a:lnR>
-                      <a:noFill/>
-                    </a:lnR>
-                    <a:lnT>
-                      <a:noFill/>
-                    </a:lnT>
-                    <a:lnB>
-                      <a:noFill/>
-                    </a:lnB>
-                    <a:solidFill>
-                      <a:srgbClr val="F8FAFF"/>
-                    </a:solidFill>
-                  </a:tcPr>
-                </a:tc>
-                <a:tc>
-                  <a:txBody>
-                    <a:bodyPr/>
-                    <a:lstStyle/>
-                    <a:p>
-                      <a:r>
-                        <a:rPr lang="en-IN">
-                          <a:effectLst/>
-                        </a:rPr>
-                        <a:t>x or y</a:t>
-                      </a:r>
-                    </a:p>
-                  </a:txBody>
-                  <a:tcPr marL="182880" marR="182880" marT="91440" marB="91440" anchor="ctr">
-                    <a:lnL>
-                      <a:noFill/>
-                    </a:lnL>
-                    <a:lnR>
-                      <a:noFill/>
-                    </a:lnR>
-                    <a:lnT>
-                      <a:noFill/>
-                    </a:lnT>
-                    <a:lnB>
-                      <a:noFill/>
-                    </a:lnB>
-                    <a:solidFill>
-                      <a:srgbClr val="F8FAFF"/>
-                    </a:solidFill>
-                  </a:tcPr>
-                </a:tc>
-              </a:tr>
-              <a:tr h="0">
-                <a:tc>
-                  <a:txBody>
-                    <a:bodyPr/>
-                    <a:lstStyle/>
-                    <a:p>
-                      <a:r>
-                        <a:rPr lang="en-IN">
-                          <a:effectLst/>
-                        </a:rPr>
-                        <a:t>not</a:t>
-                      </a:r>
-                    </a:p>
-                  </a:txBody>
-                  <a:tcPr marL="182880" marR="182880" marT="91440" marB="91440" anchor="ctr">
-                    <a:lnL>
-                      <a:noFill/>
-                    </a:lnL>
-                    <a:lnR>
-                      <a:noFill/>
-                    </a:lnR>
-                    <a:lnT>
-                      <a:noFill/>
-                    </a:lnT>
-                    <a:lnB>
-                      <a:noFill/>
-                    </a:lnB>
-                    <a:solidFill>
-                      <a:srgbClr val="F8FAFF"/>
-                    </a:solidFill>
-                  </a:tcPr>
-                </a:tc>
-                <a:tc>
-                  <a:txBody>
-                    <a:bodyPr/>
-                    <a:lstStyle/>
-                    <a:p>
-                      <a:r>
-                        <a:rPr lang="en-US">
-                          <a:effectLst/>
-                        </a:rPr>
-                        <a:t>True if operand is false (complements the operand)</a:t>
-                      </a:r>
-                    </a:p>
-                  </a:txBody>
-                  <a:tcPr marL="182880" marR="182880" marT="91440" marB="91440" anchor="ctr">
-                    <a:lnL>
-                      <a:noFill/>
-                    </a:lnL>
-                    <a:lnR>
-                      <a:noFill/>
-                    </a:lnR>
-                    <a:lnT>
-                      <a:noFill/>
-                    </a:lnT>
-                    <a:lnB>
-                      <a:noFill/>
-                    </a:lnB>
-                    <a:solidFill>
-                      <a:srgbClr val="F8FAFF"/>
-                    </a:solidFill>
-                  </a:tcPr>
-                </a:tc>
-                <a:tc>
-                  <a:txBody>
-                    <a:bodyPr/>
-                    <a:lstStyle/>
-                    <a:p>
-                      <a:r>
-                        <a:rPr lang="en-IN" dirty="0">
-                          <a:effectLst/>
-                        </a:rPr>
-                        <a:t>not x</a:t>
-                      </a:r>
-                    </a:p>
-                  </a:txBody>
-                  <a:tcPr marL="182880" marR="182880" marT="91440" marB="91440" anchor="ctr">
-                    <a:lnL>
-                      <a:noFill/>
-                    </a:lnL>
-                    <a:lnR>
-                      <a:noFill/>
-                    </a:lnR>
-                    <a:lnT>
-                      <a:noFill/>
-                    </a:lnT>
-                    <a:lnB>
-                      <a:noFill/>
-                    </a:lnB>
-                    <a:solidFill>
-                      <a:srgbClr val="F8FAFF"/>
-                    </a:solidFill>
-                  </a:tcPr>
-                </a:tc>
-              </a:tr>
-            </a:tbl>
-          </a:graphicData>
-        </a:graphic>
-      </p:graphicFrame>
-    </p:spTree>
-    <p:extLst>
-      <p:ext uri="{BB962C8B-B14F-4D97-AF65-F5344CB8AC3E}">
-        <p14:creationId xmlns:p14="http://schemas.microsoft.com/office/powerpoint/2010/main" val="1965150641"/>
-      </p:ext>
-    </p:extLst>
-  </p:cSld>
-  <p:clrMapOvr>
-    <a:masterClrMapping/>
-  </p:clrMapOvr>
-  <mc:AlternateContent xmlns:mc="http://schemas.openxmlformats.org/markup-compatibility/2006" xmlns:p14="http://schemas.microsoft.com/office/powerpoint/2010/main">
-    <mc:Choice Requires="p14">
-      <p:transition spd="slow" p14:dur="1400">
-        <p14:ripple/>
-      </p:transition>
-    </mc:Choice>
-    <mc:Fallback xmlns="">
-      <p:transition spd="slow">
-        <p:fade/>
-      </p:transition>
-    </mc:Fallback>
-  </mc:AlternateContent>
-  <p:timing>
-    <p:tnLst>
-      <p:par>
-        <p:cTn id="1" dur="indefinite" restart="never" nodeType="tmRoot">
-          <p:childTnLst>
-            <p:seq concurrent="1" nextAc="seek">
-              <p:cTn id="2" dur="indefinite" nodeType="mainSeq">
-                <p:childTnLst>
-                  <p:par>
-                    <p:cTn id="3" fill="hold">
-                      <p:stCondLst>
-                        <p:cond delay="indefinite"/>
-                      </p:stCondLst>
-                      <p:childTnLst>
-                        <p:par>
-                          <p:cTn id="4" fill="hold">
-                            <p:stCondLst>
-                              <p:cond delay="0"/>
-                            </p:stCondLst>
-                            <p:childTnLst>
-                              <p:par>
-                                <p:cTn id="5" presetID="42" presetClass="entr" presetSubtype="0" fill="hold" grpId="0" nodeType="clickEffect">
-                                  <p:stCondLst>
-                                    <p:cond delay="0"/>
-                                  </p:stCondLst>
-                                  <p:childTnLst>
-                                    <p:set>
-                                      <p:cBhvr>
-                                        <p:cTn id="6" dur="1" fill="hold">
-                                          <p:stCondLst>
-                                            <p:cond delay="0"/>
-                                          </p:stCondLst>
-                                        </p:cTn>
-                                        <p:tgtEl>
-                                          <p:spTgt spid="2"/>
-                                        </p:tgtEl>
-                                        <p:attrNameLst>
-                                          <p:attrName>style.visibility</p:attrName>
-                                        </p:attrNameLst>
-                                      </p:cBhvr>
-                                      <p:to>
-                                        <p:strVal val="visible"/>
-                                      </p:to>
-                                    </p:set>
-                                    <p:animEffect transition="in" filter="fade">
-                                      <p:cBhvr>
-                                        <p:cTn id="7" dur="1000"/>
-                                        <p:tgtEl>
-                                          <p:spTgt spid="2"/>
-                                        </p:tgtEl>
-                                      </p:cBhvr>
-                                    </p:animEffect>
-                                    <p:anim calcmode="lin" valueType="num">
-                                      <p:cBhvr>
-                                        <p:cTn id="8" dur="1000" fill="hold"/>
-                                        <p:tgtEl>
-                                          <p:spTgt spid="2"/>
-                                        </p:tgtEl>
-                                        <p:attrNameLst>
-                                          <p:attrName>ppt_x</p:attrName>
-                                        </p:attrNameLst>
-                                      </p:cBhvr>
-                                      <p:tavLst>
-                                        <p:tav tm="0">
-                                          <p:val>
-                                            <p:strVal val="#ppt_x"/>
-                                          </p:val>
-                                        </p:tav>
-                                        <p:tav tm="100000">
-                                          <p:val>
-                                            <p:strVal val="#ppt_x"/>
-                                          </p:val>
-                                        </p:tav>
-                                      </p:tavLst>
-                                    </p:anim>
-                                    <p:anim calcmode="lin" valueType="num">
-                                      <p:cBhvr>
-                                        <p:cTn id="9" dur="1000" fill="hold"/>
-                                        <p:tgtEl>
-                                          <p:spTgt spid="2"/>
-                                        </p:tgtEl>
-                                        <p:attrNameLst>
-                                          <p:attrName>ppt_y</p:attrName>
-                                        </p:attrNameLst>
-                                      </p:cBhvr>
-                                      <p:tavLst>
-                                        <p:tav tm="0">
-                                          <p:val>
-                                            <p:strVal val="#ppt_y+.1"/>
-                                          </p:val>
-                                        </p:tav>
-                                        <p:tav tm="100000">
-                                          <p:val>
-                                            <p:strVal val="#ppt_y"/>
-                                          </p:val>
-                                        </p:tav>
-                                      </p:tavLst>
-                                    </p:anim>
-                                  </p:childTnLst>
-                                </p:cTn>
-                              </p:par>
-                            </p:childTnLst>
-                          </p:cTn>
-                        </p:par>
-                      </p:childTnLst>
-                    </p:cTn>
-                  </p:par>
-                  <p:par>
-                    <p:cTn id="10" fill="hold">
-                      <p:stCondLst>
-                        <p:cond delay="indefinite"/>
-                      </p:stCondLst>
-                      <p:childTnLst>
-                        <p:par>
-                          <p:cTn id="11" fill="hold">
-                            <p:stCondLst>
-                              <p:cond delay="0"/>
-                            </p:stCondLst>
-                            <p:childTnLst>
-                              <p:par>
-                                <p:cTn id="12" presetID="14" presetClass="entr" presetSubtype="10" fill="hold" grpId="0" nodeType="clickEffect">
-                                  <p:stCondLst>
-                                    <p:cond delay="0"/>
-                                  </p:stCondLst>
-                                  <p:childTnLst>
-                                    <p:set>
-                                      <p:cBhvr>
-                                        <p:cTn id="13" dur="1" fill="hold">
-                                          <p:stCondLst>
-                                            <p:cond delay="0"/>
-                                          </p:stCondLst>
-                                        </p:cTn>
-                                        <p:tgtEl>
-                                          <p:spTgt spid="5"/>
-                                        </p:tgtEl>
-                                        <p:attrNameLst>
-                                          <p:attrName>style.visibility</p:attrName>
-                                        </p:attrNameLst>
-                                      </p:cBhvr>
-                                      <p:to>
-                                        <p:strVal val="visible"/>
-                                      </p:to>
-                                    </p:set>
-                                    <p:animEffect transition="in" filter="randombar(horizontal)">
-                                      <p:cBhvr>
-                                        <p:cTn id="14" dur="500"/>
-                                        <p:tgtEl>
-                                          <p:spTgt spid="5"/>
-                                        </p:tgtEl>
-                                      </p:cBhvr>
-                                    </p:animEffect>
-                                  </p:childTnLst>
-                                </p:cTn>
-                              </p:par>
-                            </p:childTnLst>
-                          </p:cTn>
-                        </p:par>
-                      </p:childTnLst>
-                    </p:cTn>
-                  </p:par>
-                  <p:par>
-                    <p:cTn id="15" fill="hold">
-                      <p:stCondLst>
-                        <p:cond delay="indefinite"/>
-                      </p:stCondLst>
-                      <p:childTnLst>
-                        <p:par>
-                          <p:cTn id="16" fill="hold">
-                            <p:stCondLst>
-                              <p:cond delay="0"/>
-                            </p:stCondLst>
-                            <p:childTnLst>
-                              <p:par>
-                                <p:cTn id="17" presetID="31" presetClass="entr" presetSubtype="0" fill="hold" nodeType="clickEffect">
-                                  <p:stCondLst>
-                                    <p:cond delay="0"/>
-                                  </p:stCondLst>
-                                  <p:childTnLst>
-                                    <p:set>
-                                      <p:cBhvr>
-                                        <p:cTn id="18" dur="1" fill="hold">
-                                          <p:stCondLst>
-                                            <p:cond delay="0"/>
-                                          </p:stCondLst>
-                                        </p:cTn>
-                                        <p:tgtEl>
-                                          <p:spTgt spid="4"/>
-                                        </p:tgtEl>
-                                        <p:attrNameLst>
-                                          <p:attrName>style.visibility</p:attrName>
-                                        </p:attrNameLst>
-                                      </p:cBhvr>
-                                      <p:to>
-                                        <p:strVal val="visible"/>
-                                      </p:to>
-                                    </p:set>
-                                    <p:anim calcmode="lin" valueType="num">
-                                      <p:cBhvr>
-                                        <p:cTn id="19" dur="1000" fill="hold"/>
-                                        <p:tgtEl>
-                                          <p:spTgt spid="4"/>
-                                        </p:tgtEl>
-                                        <p:attrNameLst>
-                                          <p:attrName>ppt_w</p:attrName>
-                                        </p:attrNameLst>
-                                      </p:cBhvr>
-                                      <p:tavLst>
-                                        <p:tav tm="0">
-                                          <p:val>
-                                            <p:fltVal val="0"/>
-                                          </p:val>
-                                        </p:tav>
-                                        <p:tav tm="100000">
-                                          <p:val>
-                                            <p:strVal val="#ppt_w"/>
-                                          </p:val>
-                                        </p:tav>
-                                      </p:tavLst>
-                                    </p:anim>
-                                    <p:anim calcmode="lin" valueType="num">
-                                      <p:cBhvr>
-                                        <p:cTn id="20" dur="1000" fill="hold"/>
-                                        <p:tgtEl>
-                                          <p:spTgt spid="4"/>
-                                        </p:tgtEl>
-                                        <p:attrNameLst>
-                                          <p:attrName>ppt_h</p:attrName>
-                                        </p:attrNameLst>
-                                      </p:cBhvr>
-                                      <p:tavLst>
-                                        <p:tav tm="0">
-                                          <p:val>
-                                            <p:fltVal val="0"/>
-                                          </p:val>
-                                        </p:tav>
-                                        <p:tav tm="100000">
-                                          <p:val>
-                                            <p:strVal val="#ppt_h"/>
-                                          </p:val>
-                                        </p:tav>
-                                      </p:tavLst>
-                                    </p:anim>
-                                    <p:anim calcmode="lin" valueType="num">
-                                      <p:cBhvr>
-                                        <p:cTn id="21" dur="1000" fill="hold"/>
-                                        <p:tgtEl>
-                                          <p:spTgt spid="4"/>
-                                        </p:tgtEl>
-                                        <p:attrNameLst>
-                                          <p:attrName>style.rotation</p:attrName>
-                                        </p:attrNameLst>
-                                      </p:cBhvr>
-                                      <p:tavLst>
-                                        <p:tav tm="0">
-                                          <p:val>
-                                            <p:fltVal val="90"/>
-                                          </p:val>
-                                        </p:tav>
-                                        <p:tav tm="100000">
-                                          <p:val>
-                                            <p:fltVal val="0"/>
-                                          </p:val>
-                                        </p:tav>
-                                      </p:tavLst>
-                                    </p:anim>
-                                    <p:animEffect transition="in" filter="fade">
-                                      <p:cBhvr>
-                                        <p:cTn id="22" dur="1000"/>
-                                        <p:tgtEl>
-                                          <p:spTgt spid="4"/>
-                                        </p:tgtEl>
-                                      </p:cBhvr>
-                                    </p:animEffect>
-                                  </p:childTnLst>
-                                </p:cTn>
-                              </p:par>
-                            </p:childTnLst>
-                          </p:cTn>
-                        </p:par>
-                      </p:childTnLst>
-                    </p:cTn>
-                  </p:par>
-                </p:childTnLst>
-              </p:cTn>
-              <p:prevCondLst>
-                <p:cond evt="onPrev" delay="0">
-                  <p:tgtEl>
-                    <p:sldTgt/>
-                  </p:tgtEl>
-                </p:cond>
-              </p:prevCondLst>
-              <p:nextCondLst>
-                <p:cond evt="onNext" delay="0">
-                  <p:tgtEl>
-                    <p:sldTgt/>
-                  </p:tgtEl>
-                </p:cond>
-              </p:nextCondLst>
-            </p:seq>
-          </p:childTnLst>
-        </p:cTn>
-      </p:par>
-    </p:tnLst>
-    <p:bldLst>
-      <p:bldP spid="2" grpId="0"/>
-      <p:bldP spid="5" grpId="0"/>
-    </p:bldLst>
-  </p:timing>
-</p:sld>
-</file>
-
 <file path=ppt/theme/theme1.xml><?xml version="1.0" encoding="utf-8"?>
 <a:theme xmlns:a="http://schemas.openxmlformats.org/drawingml/2006/main" name="Wisp">
   <a:themeElements>
